--- a/최예린_230103_FastDiff_논문리뷰.pptx
+++ b/최예린_230103_FastDiff_논문리뷰.pptx
@@ -5,28 +5,26 @@
     <p:sldMasterId id="2147483648" r:id="rId1"/>
   </p:sldMasterIdLst>
   <p:notesMasterIdLst>
-    <p:notesMasterId r:id="rId18"/>
+    <p:notesMasterId r:id="rId16"/>
   </p:notesMasterIdLst>
   <p:handoutMasterIdLst>
-    <p:handoutMasterId r:id="rId19"/>
+    <p:handoutMasterId r:id="rId17"/>
   </p:handoutMasterIdLst>
   <p:sldIdLst>
     <p:sldId id="321" r:id="rId2"/>
-    <p:sldId id="323" r:id="rId3"/>
-    <p:sldId id="322" r:id="rId4"/>
-    <p:sldId id="324" r:id="rId5"/>
-    <p:sldId id="320" r:id="rId6"/>
-    <p:sldId id="325" r:id="rId7"/>
-    <p:sldId id="326" r:id="rId8"/>
-    <p:sldId id="327" r:id="rId9"/>
-    <p:sldId id="329" r:id="rId10"/>
-    <p:sldId id="328" r:id="rId11"/>
-    <p:sldId id="331" r:id="rId12"/>
-    <p:sldId id="332" r:id="rId13"/>
-    <p:sldId id="333" r:id="rId14"/>
-    <p:sldId id="334" r:id="rId15"/>
-    <p:sldId id="335" r:id="rId16"/>
-    <p:sldId id="309" r:id="rId17"/>
+    <p:sldId id="324" r:id="rId3"/>
+    <p:sldId id="320" r:id="rId4"/>
+    <p:sldId id="325" r:id="rId5"/>
+    <p:sldId id="326" r:id="rId6"/>
+    <p:sldId id="327" r:id="rId7"/>
+    <p:sldId id="329" r:id="rId8"/>
+    <p:sldId id="328" r:id="rId9"/>
+    <p:sldId id="331" r:id="rId10"/>
+    <p:sldId id="332" r:id="rId11"/>
+    <p:sldId id="333" r:id="rId12"/>
+    <p:sldId id="334" r:id="rId13"/>
+    <p:sldId id="335" r:id="rId14"/>
+    <p:sldId id="309" r:id="rId15"/>
   </p:sldIdLst>
   <p:sldSz cx="9906000" cy="6858000" type="A4"/>
   <p:notesSz cx="6645275" cy="9777413"/>
@@ -5716,767 +5714,6 @@
           <p:cNvPr id="2" name="제목 1">
             <a:extLst>
               <a:ext uri="{FF2B5EF4-FFF2-40B4-BE49-F238E27FC236}">
-                <a16:creationId xmlns:a16="http://schemas.microsoft.com/office/drawing/2014/main" id="{D0C690E6-B7A2-D047-922D-E469AFD793F0}"/>
-              </a:ext>
-            </a:extLst>
-          </p:cNvPr>
-          <p:cNvSpPr>
-            <a:spLocks noGrp="1"/>
-          </p:cNvSpPr>
-          <p:nvPr>
-            <p:ph type="title"/>
-          </p:nvPr>
-        </p:nvSpPr>
-        <p:spPr/>
-        <p:txBody>
-          <a:bodyPr/>
-          <a:lstStyle/>
-          <a:p>
-            <a:r>
-              <a:rPr kumimoji="1" lang="en-US" altLang="ko-Kore-KR" dirty="0" err="1"/>
-              <a:t>FastDiff</a:t>
-            </a:r>
-            <a:r>
-              <a:rPr kumimoji="1" lang="en-US" altLang="ko-Kore-KR" dirty="0"/>
-              <a:t>-TTS</a:t>
-            </a:r>
-            <a:endParaRPr kumimoji="1" lang="ko-Kore-KR" altLang="en-US" dirty="0"/>
-          </a:p>
-        </p:txBody>
-      </p:sp>
-      <p:sp>
-        <p:nvSpPr>
-          <p:cNvPr id="3" name="내용 개체 틀 2">
-            <a:extLst>
-              <a:ext uri="{FF2B5EF4-FFF2-40B4-BE49-F238E27FC236}">
-                <a16:creationId xmlns:a16="http://schemas.microsoft.com/office/drawing/2014/main" id="{CBAEBEF0-481E-7A4D-83C0-6E28B2771B30}"/>
-              </a:ext>
-            </a:extLst>
-          </p:cNvPr>
-          <p:cNvSpPr>
-            <a:spLocks noGrp="1"/>
-          </p:cNvSpPr>
-          <p:nvPr>
-            <p:ph idx="1"/>
-          </p:nvPr>
-        </p:nvSpPr>
-        <p:spPr/>
-        <p:txBody>
-          <a:bodyPr/>
-          <a:lstStyle/>
-          <a:p>
-            <a:r>
-              <a:rPr kumimoji="1" lang="en-US" altLang="ko-Kore-KR" dirty="0"/>
-              <a:t>End-to-End model </a:t>
-            </a:r>
-            <a:r>
-              <a:rPr kumimoji="1" lang="ko-Kore-KR" altLang="en-US" dirty="0"/>
-              <a:t>도</a:t>
-            </a:r>
-            <a:r>
-              <a:rPr kumimoji="1" lang="ko-KR" altLang="en-US" dirty="0"/>
-              <a:t> 훈련</a:t>
-            </a:r>
-            <a:endParaRPr kumimoji="1" lang="ko-Kore-KR" altLang="en-US" dirty="0"/>
-          </a:p>
-        </p:txBody>
-      </p:sp>
-      <p:sp>
-        <p:nvSpPr>
-          <p:cNvPr id="4" name="슬라이드 번호 개체 틀 3">
-            <a:extLst>
-              <a:ext uri="{FF2B5EF4-FFF2-40B4-BE49-F238E27FC236}">
-                <a16:creationId xmlns:a16="http://schemas.microsoft.com/office/drawing/2014/main" id="{4E4E9AA0-55E6-9543-B0C5-EAD40B992A14}"/>
-              </a:ext>
-            </a:extLst>
-          </p:cNvPr>
-          <p:cNvSpPr>
-            <a:spLocks noGrp="1"/>
-          </p:cNvSpPr>
-          <p:nvPr>
-            <p:ph type="sldNum" sz="quarter" idx="10"/>
-          </p:nvPr>
-        </p:nvSpPr>
-        <p:spPr/>
-        <p:txBody>
-          <a:bodyPr/>
-          <a:lstStyle/>
-          <a:p>
-            <a:pPr>
-              <a:defRPr/>
-            </a:pPr>
-            <a:r>
-              <a:rPr lang="en-US" altLang="ko-KR"/>
-              <a:t>Page </a:t>
-            </a:r>
-            <a:fld id="{2E59595D-A67B-4217-AF6B-E06A76FEDF4C}" type="slidenum">
-              <a:rPr lang="en-US" altLang="ko-KR" smtClean="0"/>
-              <a:pPr>
-                <a:defRPr/>
-              </a:pPr>
-              <a:t>10</a:t>
-            </a:fld>
-            <a:endParaRPr lang="en-US" altLang="ko-KR" dirty="0"/>
-          </a:p>
-        </p:txBody>
-      </p:sp>
-      <p:pic>
-        <p:nvPicPr>
-          <p:cNvPr id="6" name="그림 5">
-            <a:extLst>
-              <a:ext uri="{FF2B5EF4-FFF2-40B4-BE49-F238E27FC236}">
-                <a16:creationId xmlns:a16="http://schemas.microsoft.com/office/drawing/2014/main" id="{C3CBE876-CD5C-0547-BA3F-1C4E996248C3}"/>
-              </a:ext>
-            </a:extLst>
-          </p:cNvPr>
-          <p:cNvPicPr>
-            <a:picLocks noChangeAspect="1"/>
-          </p:cNvPicPr>
-          <p:nvPr/>
-        </p:nvPicPr>
-        <p:blipFill>
-          <a:blip r:embed="rId2">
-            <a:extLst>
-              <a:ext uri="{28A0092B-C50C-407E-A947-70E740481C1C}">
-                <a14:useLocalDpi xmlns:a14="http://schemas.microsoft.com/office/drawing/2010/main" val="0"/>
-              </a:ext>
-            </a:extLst>
-          </a:blip>
-          <a:stretch>
-            <a:fillRect/>
-          </a:stretch>
-        </p:blipFill>
-        <p:spPr>
-          <a:xfrm>
-            <a:off x="560512" y="1559946"/>
-            <a:ext cx="3024336" cy="4649982"/>
-          </a:xfrm>
-          <a:prstGeom prst="rect">
-            <a:avLst/>
-          </a:prstGeom>
-        </p:spPr>
-      </p:pic>
-      <p:sp>
-        <p:nvSpPr>
-          <p:cNvPr id="8" name="내용 개체 틀 2">
-            <a:extLst>
-              <a:ext uri="{FF2B5EF4-FFF2-40B4-BE49-F238E27FC236}">
-                <a16:creationId xmlns:a16="http://schemas.microsoft.com/office/drawing/2014/main" id="{6BCE1CA9-26E0-6D4A-99DE-3EA40EC1F122}"/>
-              </a:ext>
-            </a:extLst>
-          </p:cNvPr>
-          <p:cNvSpPr txBox="1">
-            <a:spLocks/>
-          </p:cNvSpPr>
-          <p:nvPr/>
-        </p:nvSpPr>
-        <p:spPr bwMode="auto">
-          <a:xfrm>
-            <a:off x="4232920" y="1700808"/>
-            <a:ext cx="5213760" cy="4569596"/>
-          </a:xfrm>
-          <a:prstGeom prst="rect">
-            <a:avLst/>
-          </a:prstGeom>
-          <a:noFill/>
-          <a:ln>
-            <a:noFill/>
-          </a:ln>
-          <a:extLst>
-            <a:ext uri="{909E8E84-426E-40DD-AFC4-6F175D3DCCD1}">
-              <a14:hiddenFill xmlns:a14="http://schemas.microsoft.com/office/drawing/2010/main">
-                <a:solidFill>
-                  <a:srgbClr val="FFFFFF"/>
-                </a:solidFill>
-              </a14:hiddenFill>
-            </a:ext>
-            <a:ext uri="{91240B29-F687-4F45-9708-019B960494DF}">
-              <a14:hiddenLine xmlns:a14="http://schemas.microsoft.com/office/drawing/2010/main" w="9525">
-                <a:solidFill>
-                  <a:srgbClr val="000000"/>
-                </a:solidFill>
-                <a:miter lim="800000"/>
-                <a:headEnd/>
-                <a:tailEnd/>
-              </a14:hiddenLine>
-            </a:ext>
-          </a:extLst>
-        </p:spPr>
-        <p:txBody>
-          <a:bodyPr vert="horz" wrap="square" lIns="92075" tIns="46038" rIns="92075" bIns="46038" numCol="1" anchor="t" anchorCtr="0" compatLnSpc="1">
-            <a:prstTxWarp prst="textNoShape">
-              <a:avLst/>
-            </a:prstTxWarp>
-          </a:bodyPr>
-          <a:lstStyle>
-            <a:lvl1pPr marL="285750" indent="-285750" algn="l" rtl="0" eaLnBrk="1" fontAlgn="base" latinLnBrk="1" hangingPunct="1">
-              <a:spcBef>
-                <a:spcPct val="30000"/>
-              </a:spcBef>
-              <a:spcAft>
-                <a:spcPct val="0"/>
-              </a:spcAft>
-              <a:buClrTx/>
-              <a:buSzPct val="70000"/>
-              <a:buFont typeface="Wingdings" pitchFamily="2" charset="2"/>
-              <a:buChar char="l"/>
-              <a:defRPr kumimoji="1" sz="2000" b="1">
-                <a:solidFill>
-                  <a:schemeClr val="tx1"/>
-                </a:solidFill>
-                <a:latin typeface="+mn-lt"/>
-                <a:ea typeface="+mn-ea"/>
-                <a:cs typeface="+mn-cs"/>
-              </a:defRPr>
-            </a:lvl1pPr>
-            <a:lvl2pPr marL="762000" indent="-285750" algn="l" rtl="0" eaLnBrk="1" fontAlgn="base" latinLnBrk="1" hangingPunct="1">
-              <a:spcBef>
-                <a:spcPct val="30000"/>
-              </a:spcBef>
-              <a:spcAft>
-                <a:spcPct val="0"/>
-              </a:spcAft>
-              <a:buClrTx/>
-              <a:buSzPct val="60000"/>
-              <a:buFont typeface="Wingdings" pitchFamily="2" charset="2"/>
-              <a:buChar char="l"/>
-              <a:defRPr kumimoji="1" sz="1800" b="1">
-                <a:solidFill>
-                  <a:schemeClr val="tx1"/>
-                </a:solidFill>
-                <a:latin typeface="+mn-lt"/>
-                <a:ea typeface="+mn-ea"/>
-              </a:defRPr>
-            </a:lvl2pPr>
-            <a:lvl3pPr marL="1143000" indent="-228600" algn="l" rtl="0" eaLnBrk="1" fontAlgn="base" latinLnBrk="1" hangingPunct="1">
-              <a:spcBef>
-                <a:spcPct val="20000"/>
-              </a:spcBef>
-              <a:spcAft>
-                <a:spcPct val="0"/>
-              </a:spcAft>
-              <a:buClrTx/>
-              <a:buSzPct val="55000"/>
-              <a:buFont typeface="Wingdings" pitchFamily="2" charset="2"/>
-              <a:buChar char="l"/>
-              <a:defRPr kumimoji="1" sz="1600" b="1">
-                <a:solidFill>
-                  <a:schemeClr val="tx1"/>
-                </a:solidFill>
-                <a:latin typeface="+mn-lt"/>
-                <a:ea typeface="+mn-ea"/>
-              </a:defRPr>
-            </a:lvl3pPr>
-            <a:lvl4pPr marL="1600200" indent="-228600" algn="l" rtl="0" eaLnBrk="1" fontAlgn="base" latinLnBrk="1" hangingPunct="1">
-              <a:spcBef>
-                <a:spcPct val="20000"/>
-              </a:spcBef>
-              <a:spcAft>
-                <a:spcPct val="0"/>
-              </a:spcAft>
-              <a:buChar char="–"/>
-              <a:defRPr kumimoji="1" sz="1600">
-                <a:solidFill>
-                  <a:schemeClr val="tx1"/>
-                </a:solidFill>
-                <a:latin typeface="Arial" pitchFamily="34" charset="0"/>
-                <a:ea typeface="+mn-ea"/>
-              </a:defRPr>
-            </a:lvl4pPr>
-            <a:lvl5pPr marL="2057400" indent="-228600" algn="l" rtl="0" eaLnBrk="1" fontAlgn="base" latinLnBrk="1" hangingPunct="1">
-              <a:spcBef>
-                <a:spcPct val="20000"/>
-              </a:spcBef>
-              <a:spcAft>
-                <a:spcPct val="0"/>
-              </a:spcAft>
-              <a:buChar char="•"/>
-              <a:defRPr kumimoji="1" sz="1600">
-                <a:solidFill>
-                  <a:schemeClr val="tx1"/>
-                </a:solidFill>
-                <a:latin typeface="Arial" pitchFamily="34" charset="0"/>
-                <a:ea typeface="+mn-ea"/>
-              </a:defRPr>
-            </a:lvl5pPr>
-            <a:lvl6pPr marL="2514600" indent="-228600" algn="l" rtl="0" eaLnBrk="1" fontAlgn="base" latinLnBrk="1" hangingPunct="1">
-              <a:spcBef>
-                <a:spcPct val="20000"/>
-              </a:spcBef>
-              <a:spcAft>
-                <a:spcPct val="0"/>
-              </a:spcAft>
-              <a:buChar char="•"/>
-              <a:defRPr kumimoji="1" sz="2000">
-                <a:solidFill>
-                  <a:schemeClr val="tx1"/>
-                </a:solidFill>
-                <a:latin typeface="Arial" pitchFamily="34" charset="0"/>
-                <a:ea typeface="+mn-ea"/>
-              </a:defRPr>
-            </a:lvl6pPr>
-            <a:lvl7pPr marL="2971800" indent="-228600" algn="l" rtl="0" eaLnBrk="1" fontAlgn="base" latinLnBrk="1" hangingPunct="1">
-              <a:spcBef>
-                <a:spcPct val="20000"/>
-              </a:spcBef>
-              <a:spcAft>
-                <a:spcPct val="0"/>
-              </a:spcAft>
-              <a:buChar char="•"/>
-              <a:defRPr kumimoji="1" sz="2000">
-                <a:solidFill>
-                  <a:schemeClr val="tx1"/>
-                </a:solidFill>
-                <a:latin typeface="Arial" pitchFamily="34" charset="0"/>
-                <a:ea typeface="+mn-ea"/>
-              </a:defRPr>
-            </a:lvl7pPr>
-            <a:lvl8pPr marL="3429000" indent="-228600" algn="l" rtl="0" eaLnBrk="1" fontAlgn="base" latinLnBrk="1" hangingPunct="1">
-              <a:spcBef>
-                <a:spcPct val="20000"/>
-              </a:spcBef>
-              <a:spcAft>
-                <a:spcPct val="0"/>
-              </a:spcAft>
-              <a:buChar char="•"/>
-              <a:defRPr kumimoji="1" sz="2000">
-                <a:solidFill>
-                  <a:schemeClr val="tx1"/>
-                </a:solidFill>
-                <a:latin typeface="Arial" pitchFamily="34" charset="0"/>
-                <a:ea typeface="+mn-ea"/>
-              </a:defRPr>
-            </a:lvl8pPr>
-            <a:lvl9pPr marL="3886200" indent="-228600" algn="l" rtl="0" eaLnBrk="1" fontAlgn="base" latinLnBrk="1" hangingPunct="1">
-              <a:spcBef>
-                <a:spcPct val="20000"/>
-              </a:spcBef>
-              <a:spcAft>
-                <a:spcPct val="0"/>
-              </a:spcAft>
-              <a:buChar char="•"/>
-              <a:defRPr kumimoji="1" sz="2000">
-                <a:solidFill>
-                  <a:schemeClr val="tx1"/>
-                </a:solidFill>
-                <a:latin typeface="Arial" pitchFamily="34" charset="0"/>
-                <a:ea typeface="+mn-ea"/>
-              </a:defRPr>
-            </a:lvl9pPr>
-          </a:lstStyle>
-          <a:p>
-            <a:r>
-              <a:rPr lang="en-US" altLang="ko-KR" sz="1800" kern="0" dirty="0" err="1"/>
-              <a:t>Acousitc</a:t>
-            </a:r>
-            <a:r>
-              <a:rPr lang="en-US" altLang="ko-KR" sz="1800" kern="0" dirty="0"/>
-              <a:t> model </a:t>
-            </a:r>
-            <a:r>
-              <a:rPr lang="ko-KR" altLang="en-US" sz="1800" kern="0" dirty="0"/>
-              <a:t>부분은 </a:t>
-            </a:r>
-            <a:r>
-              <a:rPr lang="en-US" altLang="ko-KR" sz="1800" kern="0" dirty="0"/>
-              <a:t>FastSpeech2</a:t>
-            </a:r>
-            <a:r>
-              <a:rPr lang="ko-KR" altLang="en-US" sz="1800" kern="0" dirty="0"/>
-              <a:t>의 구조를 사용하고</a:t>
-            </a:r>
-            <a:r>
-              <a:rPr lang="en-US" altLang="ko-KR" sz="1800" kern="0" dirty="0"/>
-              <a:t>, </a:t>
-            </a:r>
-          </a:p>
-          <a:p>
-            <a:r>
-              <a:rPr lang="en-US" altLang="ko-KR" sz="1800" kern="0" dirty="0"/>
-              <a:t>Vocoder</a:t>
-            </a:r>
-            <a:r>
-              <a:rPr lang="ko-KR" altLang="en-US" sz="1800" kern="0" dirty="0"/>
-              <a:t>부분은 </a:t>
-            </a:r>
-            <a:r>
-              <a:rPr lang="en-US" altLang="ko-KR" sz="1800" kern="0" dirty="0" err="1"/>
-              <a:t>FastDiff</a:t>
-            </a:r>
-            <a:r>
-              <a:rPr lang="ko-KR" altLang="en-US" sz="1800" kern="0" dirty="0" err="1"/>
-              <a:t>를</a:t>
-            </a:r>
-            <a:r>
-              <a:rPr lang="ko-KR" altLang="en-US" sz="1800" kern="0" dirty="0"/>
-              <a:t> 사용</a:t>
-            </a:r>
-            <a:endParaRPr lang="en-US" altLang="ko-KR" sz="1800" kern="0" dirty="0"/>
-          </a:p>
-          <a:p>
-            <a:endParaRPr lang="en-US" altLang="ko-KR" sz="1800" kern="0" dirty="0"/>
-          </a:p>
-          <a:p>
-            <a:endParaRPr lang="en-US" altLang="ko-KR" sz="1800" kern="0" dirty="0"/>
-          </a:p>
-          <a:p>
-            <a:endParaRPr lang="en-US" altLang="ko-KR" sz="1800" kern="0" dirty="0"/>
-          </a:p>
-          <a:p>
-            <a:endParaRPr lang="en-US" altLang="ko-KR" kern="0" dirty="0"/>
-          </a:p>
-          <a:p>
-            <a:pPr lvl="1"/>
-            <a:endParaRPr lang="en-US" altLang="ko-KR" kern="0" dirty="0"/>
-          </a:p>
-          <a:p>
-            <a:pPr lvl="1"/>
-            <a:endParaRPr lang="en-US" altLang="ko-Kore-KR" kern="0" dirty="0"/>
-          </a:p>
-          <a:p>
-            <a:endParaRPr lang="en" altLang="ko-Kore-KR" kern="0" dirty="0"/>
-          </a:p>
-          <a:p>
-            <a:endParaRPr lang="ko-Kore-KR" altLang="en-US" i="1" kern="0" dirty="0"/>
-          </a:p>
-        </p:txBody>
-      </p:sp>
-    </p:spTree>
-    <p:extLst>
-      <p:ext uri="{BB962C8B-B14F-4D97-AF65-F5344CB8AC3E}">
-        <p14:creationId xmlns:p14="http://schemas.microsoft.com/office/powerpoint/2010/main" val="4165387466"/>
-      </p:ext>
-    </p:extLst>
-  </p:cSld>
-  <p:clrMapOvr>
-    <a:masterClrMapping/>
-  </p:clrMapOvr>
-</p:sld>
-</file>
-
-<file path=ppt/slides/slide11.xml><?xml version="1.0" encoding="utf-8"?>
-<p:sld xmlns:a="http://schemas.openxmlformats.org/drawingml/2006/main" xmlns:r="http://schemas.openxmlformats.org/officeDocument/2006/relationships" xmlns:p="http://schemas.openxmlformats.org/presentationml/2006/main">
-  <p:cSld>
-    <p:spTree>
-      <p:nvGrpSpPr>
-        <p:cNvPr id="1" name=""/>
-        <p:cNvGrpSpPr/>
-        <p:nvPr/>
-      </p:nvGrpSpPr>
-      <p:grpSpPr>
-        <a:xfrm>
-          <a:off x="0" y="0"/>
-          <a:ext cx="0" cy="0"/>
-          <a:chOff x="0" y="0"/>
-          <a:chExt cx="0" cy="0"/>
-        </a:xfrm>
-      </p:grpSpPr>
-      <p:sp>
-        <p:nvSpPr>
-          <p:cNvPr id="2" name="제목 1">
-            <a:extLst>
-              <a:ext uri="{FF2B5EF4-FFF2-40B4-BE49-F238E27FC236}">
-                <a16:creationId xmlns:a16="http://schemas.microsoft.com/office/drawing/2014/main" id="{533D3BAD-4F98-C244-9F22-F13F7A77CD8A}"/>
-              </a:ext>
-            </a:extLst>
-          </p:cNvPr>
-          <p:cNvSpPr>
-            <a:spLocks noGrp="1"/>
-          </p:cNvSpPr>
-          <p:nvPr>
-            <p:ph type="title"/>
-          </p:nvPr>
-        </p:nvSpPr>
-        <p:spPr/>
-        <p:txBody>
-          <a:bodyPr/>
-          <a:lstStyle/>
-          <a:p>
-            <a:r>
-              <a:rPr kumimoji="1" lang="en-US" altLang="ko-Kore-KR" dirty="0"/>
-              <a:t>Experiments</a:t>
-            </a:r>
-            <a:endParaRPr kumimoji="1" lang="ko-Kore-KR" altLang="en-US" dirty="0"/>
-          </a:p>
-        </p:txBody>
-      </p:sp>
-      <p:sp>
-        <p:nvSpPr>
-          <p:cNvPr id="3" name="내용 개체 틀 2">
-            <a:extLst>
-              <a:ext uri="{FF2B5EF4-FFF2-40B4-BE49-F238E27FC236}">
-                <a16:creationId xmlns:a16="http://schemas.microsoft.com/office/drawing/2014/main" id="{4EB6C5B7-F3DE-1549-99A7-8D0DCB339823}"/>
-              </a:ext>
-            </a:extLst>
-          </p:cNvPr>
-          <p:cNvSpPr>
-            <a:spLocks noGrp="1"/>
-          </p:cNvSpPr>
-          <p:nvPr>
-            <p:ph idx="1"/>
-          </p:nvPr>
-        </p:nvSpPr>
-        <p:spPr/>
-        <p:txBody>
-          <a:bodyPr/>
-          <a:lstStyle/>
-          <a:p>
-            <a:r>
-              <a:rPr kumimoji="1" lang="ko-Kore-KR" altLang="en-US" dirty="0"/>
-              <a:t>사용한</a:t>
-            </a:r>
-            <a:r>
-              <a:rPr kumimoji="1" lang="ko-KR" altLang="en-US" dirty="0"/>
-              <a:t> 데이터 </a:t>
-            </a:r>
-            <a:endParaRPr lang="en-US" altLang="ko-KR" dirty="0"/>
-          </a:p>
-          <a:p>
-            <a:pPr lvl="1"/>
-            <a:r>
-              <a:rPr lang="ko-Kore-KR" altLang="en-US" dirty="0"/>
-              <a:t>훈련</a:t>
-            </a:r>
-            <a:r>
-              <a:rPr lang="ko-KR" altLang="en-US" dirty="0"/>
-              <a:t> 데이터 </a:t>
-            </a:r>
-            <a:r>
-              <a:rPr lang="en-US" altLang="ko-KR" dirty="0"/>
-              <a:t>:</a:t>
-            </a:r>
-            <a:r>
-              <a:rPr lang="ko-KR" altLang="en-US" dirty="0"/>
-              <a:t> </a:t>
-            </a:r>
-            <a:r>
-              <a:rPr lang="en-US" altLang="ko-Kore-KR" dirty="0" err="1"/>
-              <a:t>LJSpeech</a:t>
-            </a:r>
-            <a:endParaRPr lang="en-US" altLang="ko-Kore-KR" dirty="0"/>
-          </a:p>
-          <a:p>
-            <a:pPr lvl="1"/>
-            <a:r>
-              <a:rPr lang="en-US" altLang="ko-Kore-KR" dirty="0"/>
-              <a:t>Unseen speaker evaluation</a:t>
-            </a:r>
-            <a:r>
-              <a:rPr lang="ko-KR" altLang="en-US" dirty="0"/>
-              <a:t>을 위해 </a:t>
-            </a:r>
-            <a:r>
-              <a:rPr lang="en-US" altLang="ko-KR" dirty="0"/>
-              <a:t>VCTK </a:t>
-            </a:r>
-            <a:r>
-              <a:rPr lang="ko-KR" altLang="en-US" dirty="0"/>
-              <a:t>사용</a:t>
-            </a:r>
-            <a:endParaRPr lang="en-US" altLang="ko-KR" dirty="0"/>
-          </a:p>
-          <a:p>
-            <a:r>
-              <a:rPr kumimoji="1" lang="ko-Kore-KR" altLang="en-US" dirty="0"/>
-              <a:t>평가지표</a:t>
-            </a:r>
-          </a:p>
-          <a:p>
-            <a:pPr lvl="1"/>
-            <a:r>
-              <a:rPr kumimoji="1" lang="en-US" altLang="ko-Kore-KR" dirty="0"/>
-              <a:t>Audio quality : MOS </a:t>
-            </a:r>
-            <a:r>
-              <a:rPr lang="en-US" altLang="ko-Kore-KR" dirty="0"/>
-              <a:t>, </a:t>
-            </a:r>
-            <a:r>
-              <a:rPr kumimoji="1" lang="en-US" altLang="ko-Kore-KR" dirty="0"/>
-              <a:t>STOI, </a:t>
-            </a:r>
-            <a:r>
-              <a:rPr lang="en-US" altLang="ko-Kore-KR" dirty="0"/>
-              <a:t>PESQ</a:t>
-            </a:r>
-          </a:p>
-          <a:p>
-            <a:pPr lvl="2"/>
-            <a:r>
-              <a:rPr lang="en-US" altLang="ko-Kore-KR" dirty="0"/>
-              <a:t>STOI : Short-time Objective intelligibility </a:t>
-            </a:r>
-            <a:r>
-              <a:rPr lang="en-US" altLang="ko-KR" dirty="0"/>
-              <a:t>(</a:t>
-            </a:r>
-            <a:r>
-              <a:rPr lang="ko-KR" altLang="en-US" dirty="0"/>
-              <a:t>음성의 </a:t>
-            </a:r>
-            <a:r>
-              <a:rPr lang="ko-KR" altLang="en-US" dirty="0" err="1"/>
-              <a:t>명료도를</a:t>
-            </a:r>
-            <a:r>
-              <a:rPr lang="ko-KR" altLang="en-US" dirty="0"/>
-              <a:t> 나타내는 척도</a:t>
-            </a:r>
-            <a:r>
-              <a:rPr lang="en-US" altLang="ko-KR" dirty="0"/>
-              <a:t>)</a:t>
-            </a:r>
-            <a:endParaRPr lang="en-US" altLang="ko-Kore-KR" dirty="0"/>
-          </a:p>
-          <a:p>
-            <a:pPr lvl="2"/>
-            <a:r>
-              <a:rPr lang="en-US" altLang="ko-Kore-KR" dirty="0"/>
-              <a:t>PESQ : Perceptual evaluation of speech quality (</a:t>
-            </a:r>
-            <a:r>
-              <a:rPr lang="ko-KR" altLang="en-US" dirty="0"/>
-              <a:t>음질을 나타내는 척도</a:t>
-            </a:r>
-            <a:r>
-              <a:rPr lang="en-US" altLang="ko-KR" dirty="0"/>
-              <a:t>)</a:t>
-            </a:r>
-            <a:endParaRPr lang="en-US" altLang="ko-Kore-KR" dirty="0"/>
-          </a:p>
-          <a:p>
-            <a:pPr lvl="3"/>
-            <a:r>
-              <a:rPr lang="en-US" altLang="ko-Kore-KR" dirty="0"/>
-              <a:t>MOS</a:t>
-            </a:r>
-            <a:r>
-              <a:rPr lang="ko-KR" altLang="en-US" dirty="0" err="1"/>
-              <a:t>를</a:t>
-            </a:r>
-            <a:r>
-              <a:rPr lang="ko-KR" altLang="en-US" dirty="0"/>
-              <a:t> 예측하는 </a:t>
-            </a:r>
-            <a:r>
-              <a:rPr lang="en-US" altLang="ko-KR" dirty="0"/>
-              <a:t>objective evaluation</a:t>
-            </a:r>
-            <a:endParaRPr lang="en-US" altLang="ko-Kore-KR" dirty="0"/>
-          </a:p>
-          <a:p>
-            <a:pPr lvl="1"/>
-            <a:r>
-              <a:rPr kumimoji="1" lang="en-US" altLang="ko-Kore-KR" dirty="0"/>
-              <a:t>Inference speed : RTF</a:t>
-            </a:r>
-          </a:p>
-          <a:p>
-            <a:pPr lvl="1"/>
-            <a:r>
-              <a:rPr lang="en-US" altLang="ko-Kore-KR" dirty="0"/>
-              <a:t>Diversity of generated </a:t>
-            </a:r>
-            <a:r>
-              <a:rPr lang="en-US" altLang="ko-Kore-KR" dirty="0" err="1"/>
-              <a:t>mel</a:t>
-            </a:r>
-            <a:r>
-              <a:rPr lang="en-US" altLang="ko-Kore-KR" dirty="0"/>
-              <a:t>-spectrogram : NDB, JSD</a:t>
-            </a:r>
-          </a:p>
-          <a:p>
-            <a:pPr lvl="2"/>
-            <a:r>
-              <a:rPr kumimoji="1" lang="en-US" altLang="ko-Kore-KR" dirty="0"/>
-              <a:t>NDB : Number of Statistically-Different Bins</a:t>
-            </a:r>
-          </a:p>
-          <a:p>
-            <a:pPr lvl="2"/>
-            <a:r>
-              <a:rPr lang="en-US" altLang="ko-Kore-KR" dirty="0"/>
-              <a:t>JSD : Jensen-Shannon divergence</a:t>
-            </a:r>
-            <a:endParaRPr kumimoji="1" lang="ko-Kore-KR" altLang="en-US" dirty="0"/>
-          </a:p>
-        </p:txBody>
-      </p:sp>
-      <p:sp>
-        <p:nvSpPr>
-          <p:cNvPr id="4" name="슬라이드 번호 개체 틀 3">
-            <a:extLst>
-              <a:ext uri="{FF2B5EF4-FFF2-40B4-BE49-F238E27FC236}">
-                <a16:creationId xmlns:a16="http://schemas.microsoft.com/office/drawing/2014/main" id="{E830D3D4-6415-1446-8851-465651F0B006}"/>
-              </a:ext>
-            </a:extLst>
-          </p:cNvPr>
-          <p:cNvSpPr>
-            <a:spLocks noGrp="1"/>
-          </p:cNvSpPr>
-          <p:nvPr>
-            <p:ph type="sldNum" sz="quarter" idx="10"/>
-          </p:nvPr>
-        </p:nvSpPr>
-        <p:spPr/>
-        <p:txBody>
-          <a:bodyPr/>
-          <a:lstStyle/>
-          <a:p>
-            <a:pPr>
-              <a:defRPr/>
-            </a:pPr>
-            <a:r>
-              <a:rPr lang="en-US" altLang="ko-KR"/>
-              <a:t>Page </a:t>
-            </a:r>
-            <a:fld id="{2E59595D-A67B-4217-AF6B-E06A76FEDF4C}" type="slidenum">
-              <a:rPr lang="en-US" altLang="ko-KR" smtClean="0"/>
-              <a:pPr>
-                <a:defRPr/>
-              </a:pPr>
-              <a:t>11</a:t>
-            </a:fld>
-            <a:endParaRPr lang="en-US" altLang="ko-KR" dirty="0"/>
-          </a:p>
-        </p:txBody>
-      </p:sp>
-    </p:spTree>
-    <p:extLst>
-      <p:ext uri="{BB962C8B-B14F-4D97-AF65-F5344CB8AC3E}">
-        <p14:creationId xmlns:p14="http://schemas.microsoft.com/office/powerpoint/2010/main" val="1333129204"/>
-      </p:ext>
-    </p:extLst>
-  </p:cSld>
-  <p:clrMapOvr>
-    <a:masterClrMapping/>
-  </p:clrMapOvr>
-</p:sld>
-</file>
-
-<file path=ppt/slides/slide12.xml><?xml version="1.0" encoding="utf-8"?>
-<p:sld xmlns:a="http://schemas.openxmlformats.org/drawingml/2006/main" xmlns:r="http://schemas.openxmlformats.org/officeDocument/2006/relationships" xmlns:p="http://schemas.openxmlformats.org/presentationml/2006/main">
-  <p:cSld>
-    <p:spTree>
-      <p:nvGrpSpPr>
-        <p:cNvPr id="1" name=""/>
-        <p:cNvGrpSpPr/>
-        <p:nvPr/>
-      </p:nvGrpSpPr>
-      <p:grpSpPr>
-        <a:xfrm>
-          <a:off x="0" y="0"/>
-          <a:ext cx="0" cy="0"/>
-          <a:chOff x="0" y="0"/>
-          <a:chExt cx="0" cy="0"/>
-        </a:xfrm>
-      </p:grpSpPr>
-      <p:sp>
-        <p:nvSpPr>
-          <p:cNvPr id="2" name="제목 1">
-            <a:extLst>
-              <a:ext uri="{FF2B5EF4-FFF2-40B4-BE49-F238E27FC236}">
                 <a16:creationId xmlns:a16="http://schemas.microsoft.com/office/drawing/2014/main" id="{F537B15E-17ED-D34B-8FAC-0F8878BD5622}"/>
               </a:ext>
             </a:extLst>
@@ -6569,7 +5806,7 @@
               <a:pPr>
                 <a:defRPr/>
               </a:pPr>
-              <a:t>12</a:t>
+              <a:t>10</a:t>
             </a:fld>
             <a:endParaRPr lang="en-US" altLang="ko-KR" dirty="0"/>
           </a:p>
@@ -7058,7 +6295,7 @@
 </p:sld>
 </file>
 
-<file path=ppt/slides/slide13.xml><?xml version="1.0" encoding="utf-8"?>
+<file path=ppt/slides/slide11.xml><?xml version="1.0" encoding="utf-8"?>
 <p:sld xmlns:a="http://schemas.openxmlformats.org/drawingml/2006/main" xmlns:r="http://schemas.openxmlformats.org/officeDocument/2006/relationships" xmlns:p="http://schemas.openxmlformats.org/presentationml/2006/main">
   <p:cSld>
     <p:spTree>
@@ -7172,7 +6409,7 @@
               <a:pPr>
                 <a:defRPr/>
               </a:pPr>
-              <a:t>13</a:t>
+              <a:t>11</a:t>
             </a:fld>
             <a:endParaRPr lang="en-US" altLang="ko-KR" dirty="0"/>
           </a:p>
@@ -7509,7 +6746,7 @@
 </p:sld>
 </file>
 
-<file path=ppt/slides/slide14.xml><?xml version="1.0" encoding="utf-8"?>
+<file path=ppt/slides/slide12.xml><?xml version="1.0" encoding="utf-8"?>
 <p:sld xmlns:a="http://schemas.openxmlformats.org/drawingml/2006/main" xmlns:r="http://schemas.openxmlformats.org/officeDocument/2006/relationships" xmlns:p="http://schemas.openxmlformats.org/presentationml/2006/main" show="0">
   <p:cSld>
     <p:spTree>
@@ -7623,7 +6860,7 @@
               <a:pPr>
                 <a:defRPr/>
               </a:pPr>
-              <a:t>14</a:t>
+              <a:t>12</a:t>
             </a:fld>
             <a:endParaRPr lang="en-US" altLang="ko-KR" dirty="0"/>
           </a:p>
@@ -7952,7 +7189,7 @@
 </p:sld>
 </file>
 
-<file path=ppt/slides/slide15.xml><?xml version="1.0" encoding="utf-8"?>
+<file path=ppt/slides/slide13.xml><?xml version="1.0" encoding="utf-8"?>
 <p:sld xmlns:a="http://schemas.openxmlformats.org/drawingml/2006/main" xmlns:r="http://schemas.openxmlformats.org/officeDocument/2006/relationships" xmlns:p="http://schemas.openxmlformats.org/presentationml/2006/main">
   <p:cSld>
     <p:spTree>
@@ -8242,7 +7479,7 @@
               <a:pPr>
                 <a:defRPr/>
               </a:pPr>
-              <a:t>15</a:t>
+              <a:t>13</a:t>
             </a:fld>
             <a:endParaRPr lang="en-US" altLang="ko-KR" dirty="0"/>
           </a:p>
@@ -8261,7 +7498,7 @@
 </p:sld>
 </file>
 
-<file path=ppt/slides/slide16.xml><?xml version="1.0" encoding="utf-8"?>
+<file path=ppt/slides/slide14.xml><?xml version="1.0" encoding="utf-8"?>
 <p:sld xmlns:a="http://schemas.openxmlformats.org/drawingml/2006/main" xmlns:r="http://schemas.openxmlformats.org/officeDocument/2006/relationships" xmlns:p="http://schemas.openxmlformats.org/presentationml/2006/main">
   <p:cSld>
     <p:spTree>
@@ -8362,7 +7599,7 @@
               <a:pPr>
                 <a:defRPr/>
               </a:pPr>
-              <a:t>16</a:t>
+              <a:t>14</a:t>
             </a:fld>
             <a:endParaRPr lang="en-US" altLang="ko-KR" dirty="0"/>
           </a:p>
@@ -8382,693 +7619,6 @@
 </file>
 
 <file path=ppt/slides/slide2.xml><?xml version="1.0" encoding="utf-8"?>
-<p:sld xmlns:a="http://schemas.openxmlformats.org/drawingml/2006/main" xmlns:r="http://schemas.openxmlformats.org/officeDocument/2006/relationships" xmlns:p="http://schemas.openxmlformats.org/presentationml/2006/main">
-  <p:cSld>
-    <p:spTree>
-      <p:nvGrpSpPr>
-        <p:cNvPr id="1" name=""/>
-        <p:cNvGrpSpPr/>
-        <p:nvPr/>
-      </p:nvGrpSpPr>
-      <p:grpSpPr>
-        <a:xfrm>
-          <a:off x="0" y="0"/>
-          <a:ext cx="0" cy="0"/>
-          <a:chOff x="0" y="0"/>
-          <a:chExt cx="0" cy="0"/>
-        </a:xfrm>
-      </p:grpSpPr>
-      <p:sp>
-        <p:nvSpPr>
-          <p:cNvPr id="2" name="제목 1">
-            <a:extLst>
-              <a:ext uri="{FF2B5EF4-FFF2-40B4-BE49-F238E27FC236}">
-                <a16:creationId xmlns:a16="http://schemas.microsoft.com/office/drawing/2014/main" id="{4AAC648B-DBF5-8D49-8555-10EF819B6802}"/>
-              </a:ext>
-            </a:extLst>
-          </p:cNvPr>
-          <p:cNvSpPr>
-            <a:spLocks noGrp="1"/>
-          </p:cNvSpPr>
-          <p:nvPr>
-            <p:ph type="title"/>
-          </p:nvPr>
-        </p:nvSpPr>
-        <p:spPr/>
-        <p:txBody>
-          <a:bodyPr/>
-          <a:lstStyle/>
-          <a:p>
-            <a:r>
-              <a:rPr kumimoji="1" lang="ko-Kore-KR" altLang="en-US" dirty="0"/>
-              <a:t>어린이</a:t>
-            </a:r>
-            <a:r>
-              <a:rPr kumimoji="1" lang="ko-KR" altLang="en-US" dirty="0"/>
-              <a:t> </a:t>
-            </a:r>
-            <a:r>
-              <a:rPr kumimoji="1" lang="ko-KR" altLang="en-US" dirty="0" err="1"/>
-              <a:t>음성합성</a:t>
-            </a:r>
-            <a:r>
-              <a:rPr kumimoji="1" lang="ko-KR" altLang="en-US" dirty="0"/>
-              <a:t> 과제 </a:t>
-            </a:r>
-            <a:r>
-              <a:rPr kumimoji="1" lang="en-US" altLang="ko-KR" dirty="0"/>
-              <a:t>2</a:t>
-            </a:r>
-            <a:r>
-              <a:rPr lang="ko-KR" altLang="en-US" dirty="0"/>
-              <a:t>차년도</a:t>
-            </a:r>
-            <a:r>
-              <a:rPr lang="en-US" altLang="ko-KR" dirty="0"/>
-              <a:t> </a:t>
-            </a:r>
-            <a:r>
-              <a:rPr lang="ko-KR" altLang="en-US" dirty="0"/>
-              <a:t>달성 목표</a:t>
-            </a:r>
-            <a:endParaRPr kumimoji="1" lang="ko-Kore-KR" altLang="en-US" dirty="0"/>
-          </a:p>
-        </p:txBody>
-      </p:sp>
-      <p:sp>
-        <p:nvSpPr>
-          <p:cNvPr id="3" name="내용 개체 틀 2">
-            <a:extLst>
-              <a:ext uri="{FF2B5EF4-FFF2-40B4-BE49-F238E27FC236}">
-                <a16:creationId xmlns:a16="http://schemas.microsoft.com/office/drawing/2014/main" id="{3CBE14BA-8821-3F4C-B75E-11B2A3BE1A1D}"/>
-              </a:ext>
-            </a:extLst>
-          </p:cNvPr>
-          <p:cNvSpPr>
-            <a:spLocks noGrp="1"/>
-          </p:cNvSpPr>
-          <p:nvPr>
-            <p:ph idx="1"/>
-          </p:nvPr>
-        </p:nvSpPr>
-        <p:spPr/>
-        <p:txBody>
-          <a:bodyPr/>
-          <a:lstStyle/>
-          <a:p>
-            <a:r>
-              <a:rPr kumimoji="1" lang="ko-Kore-KR" altLang="en-US" dirty="0"/>
-              <a:t>마일</a:t>
-            </a:r>
-            <a:r>
-              <a:rPr lang="ko-KR" altLang="en-US" dirty="0"/>
-              <a:t>스톤</a:t>
-            </a:r>
-            <a:endParaRPr lang="en-US" altLang="ko-KR" dirty="0"/>
-          </a:p>
-          <a:p>
-            <a:pPr lvl="1"/>
-            <a:r>
-              <a:rPr lang="ko-KR" altLang="en-US" dirty="0"/>
-              <a:t>어린이 음성 기준 </a:t>
-            </a:r>
-            <a:r>
-              <a:rPr lang="en-US" altLang="ko-KR" dirty="0"/>
-              <a:t>MOS 3.4 </a:t>
-            </a:r>
-            <a:r>
-              <a:rPr lang="ko-KR" altLang="en-US" dirty="0"/>
-              <a:t>이상 달성 </a:t>
-            </a:r>
-            <a:r>
-              <a:rPr lang="en-US" altLang="ko-KR" dirty="0"/>
-              <a:t>(</a:t>
-            </a:r>
-            <a:r>
-              <a:rPr lang="ko-KR" altLang="en-US" dirty="0"/>
-              <a:t>자체 평가</a:t>
-            </a:r>
-            <a:r>
-              <a:rPr lang="en-US" altLang="ko-KR" dirty="0"/>
-              <a:t>)</a:t>
-            </a:r>
-          </a:p>
-          <a:p>
-            <a:pPr lvl="1"/>
-            <a:endParaRPr lang="en-US" altLang="ko-KR" dirty="0"/>
-          </a:p>
-          <a:p>
-            <a:r>
-              <a:rPr lang="ko-KR" altLang="en-US" dirty="0"/>
-              <a:t>성과물</a:t>
-            </a:r>
-            <a:endParaRPr lang="en-US" altLang="ko-KR" dirty="0"/>
-          </a:p>
-          <a:p>
-            <a:pPr lvl="1"/>
-            <a:r>
-              <a:rPr lang="ko-KR" altLang="en-US" dirty="0"/>
-              <a:t>특허 출원 </a:t>
-            </a:r>
-            <a:r>
-              <a:rPr lang="en-US" altLang="ko-KR" dirty="0"/>
-              <a:t>1</a:t>
-            </a:r>
-            <a:r>
-              <a:rPr lang="ko-KR" altLang="en-US" dirty="0"/>
-              <a:t>건</a:t>
-            </a:r>
-            <a:endParaRPr lang="en-US" altLang="ko-KR" dirty="0"/>
-          </a:p>
-          <a:p>
-            <a:pPr lvl="1"/>
-            <a:r>
-              <a:rPr lang="ko-KR" altLang="en-US" dirty="0"/>
-              <a:t>어린이 </a:t>
-            </a:r>
-            <a:r>
-              <a:rPr lang="ko-KR" altLang="en-US" dirty="0" err="1"/>
-              <a:t>음성합성</a:t>
-            </a:r>
-            <a:r>
-              <a:rPr lang="ko-KR" altLang="en-US" dirty="0"/>
-              <a:t> 저작권 등록 </a:t>
-            </a:r>
-            <a:r>
-              <a:rPr lang="en-US" altLang="ko-KR" dirty="0"/>
-              <a:t>1</a:t>
-            </a:r>
-            <a:r>
-              <a:rPr lang="ko-KR" altLang="en-US" dirty="0"/>
-              <a:t>건</a:t>
-            </a:r>
-            <a:endParaRPr lang="en-US" altLang="ko-KR" dirty="0"/>
-          </a:p>
-          <a:p>
-            <a:pPr lvl="1"/>
-            <a:r>
-              <a:rPr lang="en-US" altLang="ko-KR" dirty="0"/>
-              <a:t>(3</a:t>
-            </a:r>
-            <a:r>
-              <a:rPr lang="ko-KR" altLang="en-US" dirty="0" err="1"/>
-              <a:t>년차</a:t>
-            </a:r>
-            <a:r>
-              <a:rPr lang="ko-KR" altLang="en-US" dirty="0"/>
-              <a:t> </a:t>
-            </a:r>
-            <a:r>
-              <a:rPr lang="en" altLang="ko-Kore-KR" dirty="0">
-                <a:effectLst/>
-                <a:latin typeface="Helvetica" pitchFamily="2" charset="0"/>
-              </a:rPr>
-              <a:t>SCI </a:t>
-            </a:r>
-            <a:r>
-              <a:rPr lang="ko-KR" altLang="en-US" dirty="0">
-                <a:effectLst/>
-                <a:latin typeface="Helvetica" pitchFamily="2" charset="0"/>
-              </a:rPr>
-              <a:t>논문 또는 국제 </a:t>
-            </a:r>
-            <a:r>
-              <a:rPr lang="en" altLang="ko-Kore-KR" dirty="0">
-                <a:effectLst/>
-                <a:latin typeface="Helvetica" pitchFamily="2" charset="0"/>
-              </a:rPr>
-              <a:t>conference</a:t>
-            </a:r>
-            <a:r>
-              <a:rPr lang="ko-KR" altLang="en-US" dirty="0">
-                <a:latin typeface="Helvetica" pitchFamily="2" charset="0"/>
-              </a:rPr>
-              <a:t> </a:t>
-            </a:r>
-            <a:r>
-              <a:rPr lang="en-US" altLang="ko-KR" dirty="0"/>
-              <a:t>1</a:t>
-            </a:r>
-            <a:r>
-              <a:rPr lang="ko-KR" altLang="en-US" dirty="0"/>
-              <a:t>건</a:t>
-            </a:r>
-            <a:r>
-              <a:rPr lang="en-US" altLang="ko-KR" dirty="0"/>
-              <a:t>)</a:t>
-            </a:r>
-          </a:p>
-          <a:p>
-            <a:pPr lvl="1"/>
-            <a:endParaRPr lang="en-US" altLang="ko-KR" dirty="0"/>
-          </a:p>
-          <a:p>
-            <a:pPr lvl="1"/>
-            <a:endParaRPr lang="en-US" altLang="ko-KR" dirty="0"/>
-          </a:p>
-        </p:txBody>
-      </p:sp>
-      <p:sp>
-        <p:nvSpPr>
-          <p:cNvPr id="4" name="슬라이드 번호 개체 틀 3">
-            <a:extLst>
-              <a:ext uri="{FF2B5EF4-FFF2-40B4-BE49-F238E27FC236}">
-                <a16:creationId xmlns:a16="http://schemas.microsoft.com/office/drawing/2014/main" id="{19BFA714-0357-1142-9285-F459E375FEE4}"/>
-              </a:ext>
-            </a:extLst>
-          </p:cNvPr>
-          <p:cNvSpPr>
-            <a:spLocks noGrp="1"/>
-          </p:cNvSpPr>
-          <p:nvPr>
-            <p:ph type="sldNum" sz="quarter" idx="10"/>
-          </p:nvPr>
-        </p:nvSpPr>
-        <p:spPr/>
-        <p:txBody>
-          <a:bodyPr/>
-          <a:lstStyle/>
-          <a:p>
-            <a:pPr>
-              <a:defRPr/>
-            </a:pPr>
-            <a:r>
-              <a:rPr lang="en-US" altLang="ko-KR"/>
-              <a:t>Page </a:t>
-            </a:r>
-            <a:fld id="{2E59595D-A67B-4217-AF6B-E06A76FEDF4C}" type="slidenum">
-              <a:rPr lang="en-US" altLang="ko-KR" smtClean="0"/>
-              <a:pPr>
-                <a:defRPr/>
-              </a:pPr>
-              <a:t>2</a:t>
-            </a:fld>
-            <a:endParaRPr lang="en-US" altLang="ko-KR" dirty="0"/>
-          </a:p>
-        </p:txBody>
-      </p:sp>
-    </p:spTree>
-    <p:extLst>
-      <p:ext uri="{BB962C8B-B14F-4D97-AF65-F5344CB8AC3E}">
-        <p14:creationId xmlns:p14="http://schemas.microsoft.com/office/powerpoint/2010/main" val="1681676940"/>
-      </p:ext>
-    </p:extLst>
-  </p:cSld>
-  <p:clrMapOvr>
-    <a:masterClrMapping/>
-  </p:clrMapOvr>
-</p:sld>
-</file>
-
-<file path=ppt/slides/slide3.xml><?xml version="1.0" encoding="utf-8"?>
-<p:sld xmlns:a="http://schemas.openxmlformats.org/drawingml/2006/main" xmlns:r="http://schemas.openxmlformats.org/officeDocument/2006/relationships" xmlns:p="http://schemas.openxmlformats.org/presentationml/2006/main">
-  <p:cSld>
-    <p:spTree>
-      <p:nvGrpSpPr>
-        <p:cNvPr id="1" name=""/>
-        <p:cNvGrpSpPr/>
-        <p:nvPr/>
-      </p:nvGrpSpPr>
-      <p:grpSpPr>
-        <a:xfrm>
-          <a:off x="0" y="0"/>
-          <a:ext cx="0" cy="0"/>
-          <a:chOff x="0" y="0"/>
-          <a:chExt cx="0" cy="0"/>
-        </a:xfrm>
-      </p:grpSpPr>
-      <p:sp>
-        <p:nvSpPr>
-          <p:cNvPr id="2" name="제목 1">
-            <a:extLst>
-              <a:ext uri="{FF2B5EF4-FFF2-40B4-BE49-F238E27FC236}">
-                <a16:creationId xmlns:a16="http://schemas.microsoft.com/office/drawing/2014/main" id="{E09E47F1-3A1E-EE41-A2BE-83846536F2E3}"/>
-              </a:ext>
-            </a:extLst>
-          </p:cNvPr>
-          <p:cNvSpPr>
-            <a:spLocks noGrp="1"/>
-          </p:cNvSpPr>
-          <p:nvPr>
-            <p:ph type="title"/>
-          </p:nvPr>
-        </p:nvSpPr>
-        <p:spPr/>
-        <p:txBody>
-          <a:bodyPr/>
-          <a:lstStyle/>
-          <a:p>
-            <a:r>
-              <a:rPr lang="ko-KR" altLang="en-US" dirty="0"/>
-              <a:t>특허 출원 및 논문 작성 </a:t>
-            </a:r>
-            <a:endParaRPr kumimoji="1" lang="ko-Kore-KR" altLang="en-US" dirty="0"/>
-          </a:p>
-        </p:txBody>
-      </p:sp>
-      <p:sp>
-        <p:nvSpPr>
-          <p:cNvPr id="3" name="내용 개체 틀 2">
-            <a:extLst>
-              <a:ext uri="{FF2B5EF4-FFF2-40B4-BE49-F238E27FC236}">
-                <a16:creationId xmlns:a16="http://schemas.microsoft.com/office/drawing/2014/main" id="{DC109628-EF99-CF43-8F6B-818E6B6D4C56}"/>
-              </a:ext>
-            </a:extLst>
-          </p:cNvPr>
-          <p:cNvSpPr>
-            <a:spLocks noGrp="1"/>
-          </p:cNvSpPr>
-          <p:nvPr>
-            <p:ph idx="1"/>
-          </p:nvPr>
-        </p:nvSpPr>
-        <p:spPr/>
-        <p:txBody>
-          <a:bodyPr/>
-          <a:lstStyle/>
-          <a:p>
-            <a:r>
-              <a:rPr kumimoji="1" lang="ko-Kore-KR" altLang="en-US" dirty="0"/>
-              <a:t>한국어</a:t>
-            </a:r>
-            <a:r>
-              <a:rPr kumimoji="1" lang="ko-KR" altLang="en-US" dirty="0"/>
-              <a:t> 학습 모델로 특허 출원 </a:t>
-            </a:r>
-            <a:r>
-              <a:rPr kumimoji="1" lang="en-US" altLang="ko-KR" dirty="0"/>
-              <a:t>(</a:t>
-            </a:r>
-            <a:r>
-              <a:rPr kumimoji="1" lang="ko-KR" altLang="en-US" dirty="0"/>
-              <a:t>성능 지표 작성</a:t>
-            </a:r>
-            <a:r>
-              <a:rPr kumimoji="1" lang="en-US" altLang="ko-KR" dirty="0"/>
-              <a:t>)</a:t>
-            </a:r>
-          </a:p>
-          <a:p>
-            <a:pPr lvl="1"/>
-            <a:r>
-              <a:rPr lang="ko-KR" altLang="en-US" dirty="0"/>
-              <a:t>논문은 영어 사전 학습 모델을 이용하여 영어 모델로 작성</a:t>
-            </a:r>
-            <a:endParaRPr lang="en-US" altLang="ko-KR" dirty="0"/>
-          </a:p>
-          <a:p>
-            <a:pPr lvl="1"/>
-            <a:endParaRPr kumimoji="1" lang="en-US" altLang="ko-Kore-KR" dirty="0"/>
-          </a:p>
-          <a:p>
-            <a:pPr lvl="1"/>
-            <a:endParaRPr kumimoji="1" lang="en-US" altLang="ko-Kore-KR" dirty="0"/>
-          </a:p>
-          <a:p>
-            <a:pPr lvl="1"/>
-            <a:endParaRPr kumimoji="1" lang="en-US" altLang="ko-Kore-KR" dirty="0"/>
-          </a:p>
-          <a:p>
-            <a:r>
-              <a:rPr lang="ko-Kore-KR" altLang="en-US" dirty="0"/>
-              <a:t>논문</a:t>
-            </a:r>
-            <a:r>
-              <a:rPr lang="ko-KR" altLang="en-US" dirty="0"/>
-              <a:t> </a:t>
-            </a:r>
-            <a:r>
-              <a:rPr lang="en-US" altLang="ko-KR" dirty="0"/>
-              <a:t>:</a:t>
-            </a:r>
-            <a:r>
-              <a:rPr lang="ko-KR" altLang="en-US" dirty="0"/>
-              <a:t> </a:t>
-            </a:r>
-            <a:r>
-              <a:rPr lang="en-US" altLang="ko-KR" dirty="0" err="1"/>
-              <a:t>Interspeech</a:t>
-            </a:r>
-            <a:r>
-              <a:rPr lang="ko-KR" altLang="en-US" dirty="0" err="1"/>
-              <a:t>를</a:t>
-            </a:r>
-            <a:r>
-              <a:rPr lang="ko-KR" altLang="en-US" dirty="0"/>
-              <a:t> 목표로 실험 중</a:t>
-            </a:r>
-            <a:endParaRPr lang="en-US" altLang="ko-KR" dirty="0"/>
-          </a:p>
-          <a:p>
-            <a:pPr lvl="1"/>
-            <a:r>
-              <a:rPr kumimoji="1" lang="ko-KR" altLang="en-US" dirty="0"/>
-              <a:t>마감일 </a:t>
-            </a:r>
-            <a:r>
-              <a:rPr kumimoji="1" lang="en-US" altLang="ko-KR" dirty="0"/>
-              <a:t>:</a:t>
-            </a:r>
-            <a:r>
-              <a:rPr kumimoji="1" lang="ko-KR" altLang="en-US" dirty="0"/>
-              <a:t> </a:t>
-            </a:r>
-            <a:r>
-              <a:rPr kumimoji="1" lang="en-US" altLang="ko-KR" dirty="0"/>
-              <a:t>3</a:t>
-            </a:r>
-            <a:r>
-              <a:rPr kumimoji="1" lang="ko-KR" altLang="en-US" dirty="0"/>
-              <a:t>월 </a:t>
-            </a:r>
-            <a:r>
-              <a:rPr kumimoji="1" lang="en-US" altLang="ko-KR" dirty="0"/>
-              <a:t>1</a:t>
-            </a:r>
-            <a:r>
-              <a:rPr lang="ko-KR" altLang="en-US" dirty="0"/>
-              <a:t>일</a:t>
-            </a:r>
-            <a:endParaRPr lang="en-US" altLang="ko-KR" dirty="0"/>
-          </a:p>
-          <a:p>
-            <a:pPr lvl="1"/>
-            <a:r>
-              <a:rPr kumimoji="1" lang="ko-Kore-KR" altLang="en-US" dirty="0"/>
-              <a:t>데이터셋</a:t>
-            </a:r>
-            <a:r>
-              <a:rPr kumimoji="1" lang="ko-KR" altLang="en-US" dirty="0"/>
-              <a:t> </a:t>
-            </a:r>
-            <a:endParaRPr lang="en-US" altLang="ko-KR" dirty="0"/>
-          </a:p>
-          <a:p>
-            <a:pPr marL="1257300" lvl="2" indent="-342900">
-              <a:buFont typeface="+mj-lt"/>
-              <a:buAutoNum type="arabicPeriod"/>
-            </a:pPr>
-            <a:r>
-              <a:rPr kumimoji="1" lang="en-US" altLang="ko-KR" dirty="0" err="1"/>
-              <a:t>LibriTTS</a:t>
-            </a:r>
-            <a:r>
-              <a:rPr kumimoji="1" lang="en-US" altLang="ko-KR" dirty="0"/>
-              <a:t> train clean 100</a:t>
-            </a:r>
-          </a:p>
-          <a:p>
-            <a:pPr marL="1257300" lvl="2" indent="-342900">
-              <a:buFont typeface="+mj-lt"/>
-              <a:buAutoNum type="arabicPeriod"/>
-            </a:pPr>
-            <a:r>
-              <a:rPr lang="en-US" altLang="ko-Kore-KR" dirty="0"/>
-              <a:t>VCTK</a:t>
-            </a:r>
-          </a:p>
-          <a:p>
-            <a:pPr lvl="2"/>
-            <a:r>
-              <a:rPr kumimoji="1" lang="en-US" altLang="ko-Kore-KR" dirty="0"/>
-              <a:t>Emotion </a:t>
-            </a:r>
-            <a:r>
-              <a:rPr kumimoji="1" lang="ko-Kore-KR" altLang="en-US" dirty="0"/>
-              <a:t>정보가</a:t>
-            </a:r>
-            <a:r>
-              <a:rPr kumimoji="1" lang="ko-KR" altLang="en-US" dirty="0"/>
-              <a:t> 많이 나타나는 </a:t>
-            </a:r>
-            <a:r>
-              <a:rPr kumimoji="1" lang="ko-KR" altLang="en-US" dirty="0" err="1"/>
-              <a:t>데이터셋은</a:t>
-            </a:r>
-            <a:r>
-              <a:rPr kumimoji="1" lang="ko-KR" altLang="en-US" dirty="0"/>
-              <a:t> 아니라서</a:t>
-            </a:r>
-            <a:r>
-              <a:rPr kumimoji="1" lang="en-US" altLang="ko-KR" dirty="0"/>
-              <a:t>,</a:t>
-            </a:r>
-            <a:r>
-              <a:rPr kumimoji="1" lang="ko-KR" altLang="en-US" dirty="0"/>
-              <a:t> 다른 </a:t>
-            </a:r>
-            <a:r>
-              <a:rPr kumimoji="1" lang="ko-KR" altLang="en-US" dirty="0" err="1"/>
-              <a:t>데이터셋</a:t>
-            </a:r>
-            <a:r>
-              <a:rPr lang="ko-KR" altLang="en-US" dirty="0" err="1"/>
-              <a:t>도</a:t>
-            </a:r>
-            <a:r>
-              <a:rPr lang="ko-KR" altLang="en-US" dirty="0"/>
-              <a:t> 검토 중</a:t>
-            </a:r>
-            <a:endParaRPr lang="en-US" altLang="ko-KR" dirty="0"/>
-          </a:p>
-          <a:p>
-            <a:pPr lvl="1"/>
-            <a:r>
-              <a:rPr lang="en-US" altLang="ko-Kore-KR" dirty="0"/>
-              <a:t>Contribution : Multi-modal </a:t>
-            </a:r>
-            <a:r>
-              <a:rPr lang="ko-KR" altLang="en-US" dirty="0"/>
-              <a:t>정보를 이용한 </a:t>
-            </a:r>
-            <a:r>
-              <a:rPr lang="en-US" altLang="ko-KR" dirty="0"/>
-              <a:t>Prosody modeling</a:t>
-            </a:r>
-          </a:p>
-          <a:p>
-            <a:pPr lvl="1"/>
-            <a:r>
-              <a:rPr lang="ko-KR" altLang="en-US" dirty="0"/>
-              <a:t>사전 학습 모델 </a:t>
-            </a:r>
-            <a:r>
-              <a:rPr lang="en-US" altLang="ko-KR" dirty="0"/>
-              <a:t>:</a:t>
-            </a:r>
-            <a:r>
-              <a:rPr lang="ko-KR" altLang="en-US" dirty="0"/>
-              <a:t> </a:t>
-            </a:r>
-            <a:r>
-              <a:rPr lang="en-US" altLang="ko-KR" dirty="0"/>
-              <a:t>data2vec audio-text / wav2vec 2. 0 - </a:t>
-            </a:r>
-            <a:r>
-              <a:rPr lang="en-US" altLang="ko-KR" dirty="0" err="1"/>
-              <a:t>bert</a:t>
-            </a:r>
-            <a:r>
-              <a:rPr lang="en-US" altLang="ko-KR" dirty="0"/>
-              <a:t> </a:t>
-            </a:r>
-            <a:r>
-              <a:rPr lang="ko-KR" altLang="en-US" dirty="0"/>
-              <a:t>로 실험 중</a:t>
-            </a:r>
-            <a:endParaRPr lang="en-US" altLang="ko-KR" dirty="0"/>
-          </a:p>
-        </p:txBody>
-      </p:sp>
-      <p:sp>
-        <p:nvSpPr>
-          <p:cNvPr id="4" name="슬라이드 번호 개체 틀 3">
-            <a:extLst>
-              <a:ext uri="{FF2B5EF4-FFF2-40B4-BE49-F238E27FC236}">
-                <a16:creationId xmlns:a16="http://schemas.microsoft.com/office/drawing/2014/main" id="{F2183E9A-5B10-7946-ACAD-EEB2B5F71DFB}"/>
-              </a:ext>
-            </a:extLst>
-          </p:cNvPr>
-          <p:cNvSpPr>
-            <a:spLocks noGrp="1"/>
-          </p:cNvSpPr>
-          <p:nvPr>
-            <p:ph type="sldNum" sz="quarter" idx="10"/>
-          </p:nvPr>
-        </p:nvSpPr>
-        <p:spPr/>
-        <p:txBody>
-          <a:bodyPr/>
-          <a:lstStyle/>
-          <a:p>
-            <a:pPr>
-              <a:defRPr/>
-            </a:pPr>
-            <a:r>
-              <a:rPr lang="en-US" altLang="ko-KR"/>
-              <a:t>Page </a:t>
-            </a:r>
-            <a:fld id="{2E59595D-A67B-4217-AF6B-E06A76FEDF4C}" type="slidenum">
-              <a:rPr lang="en-US" altLang="ko-KR" smtClean="0"/>
-              <a:pPr>
-                <a:defRPr/>
-              </a:pPr>
-              <a:t>3</a:t>
-            </a:fld>
-            <a:endParaRPr lang="en-US" altLang="ko-KR" dirty="0"/>
-          </a:p>
-        </p:txBody>
-      </p:sp>
-      <p:pic>
-        <p:nvPicPr>
-          <p:cNvPr id="6" name="그림 5">
-            <a:extLst>
-              <a:ext uri="{FF2B5EF4-FFF2-40B4-BE49-F238E27FC236}">
-                <a16:creationId xmlns:a16="http://schemas.microsoft.com/office/drawing/2014/main" id="{3E600824-1329-744B-A91C-ED4063074E3B}"/>
-              </a:ext>
-            </a:extLst>
-          </p:cNvPr>
-          <p:cNvPicPr>
-            <a:picLocks noChangeAspect="1"/>
-          </p:cNvPicPr>
-          <p:nvPr/>
-        </p:nvPicPr>
-        <p:blipFill>
-          <a:blip r:embed="rId2">
-            <a:extLst>
-              <a:ext uri="{28A0092B-C50C-407E-A947-70E740481C1C}">
-                <a14:useLocalDpi xmlns:a14="http://schemas.microsoft.com/office/drawing/2010/main" val="0"/>
-              </a:ext>
-            </a:extLst>
-          </a:blip>
-          <a:stretch>
-            <a:fillRect/>
-          </a:stretch>
-        </p:blipFill>
-        <p:spPr>
-          <a:xfrm>
-            <a:off x="5529064" y="1895931"/>
-            <a:ext cx="3868008" cy="2545349"/>
-          </a:xfrm>
-          <a:prstGeom prst="rect">
-            <a:avLst/>
-          </a:prstGeom>
-        </p:spPr>
-      </p:pic>
-    </p:spTree>
-    <p:extLst>
-      <p:ext uri="{BB962C8B-B14F-4D97-AF65-F5344CB8AC3E}">
-        <p14:creationId xmlns:p14="http://schemas.microsoft.com/office/powerpoint/2010/main" val="4023449228"/>
-      </p:ext>
-    </p:extLst>
-  </p:cSld>
-  <p:clrMapOvr>
-    <a:masterClrMapping/>
-  </p:clrMapOvr>
-</p:sld>
-</file>
-
-<file path=ppt/slides/slide4.xml><?xml version="1.0" encoding="utf-8"?>
 <p:sld xmlns:a="http://schemas.openxmlformats.org/drawingml/2006/main" xmlns:r="http://schemas.openxmlformats.org/officeDocument/2006/relationships" xmlns:p="http://schemas.openxmlformats.org/presentationml/2006/main">
   <p:cSld>
     <p:spTree>
@@ -9392,7 +7942,7 @@
 </p:sld>
 </file>
 
-<file path=ppt/slides/slide5.xml><?xml version="1.0" encoding="utf-8"?>
+<file path=ppt/slides/slide3.xml><?xml version="1.0" encoding="utf-8"?>
 <p:sld xmlns:a="http://schemas.openxmlformats.org/drawingml/2006/main" xmlns:r="http://schemas.openxmlformats.org/officeDocument/2006/relationships" xmlns:p="http://schemas.openxmlformats.org/presentationml/2006/main">
   <p:cSld>
     <p:spTree>
@@ -9748,7 +8298,7 @@
               <a:pPr>
                 <a:defRPr/>
               </a:pPr>
-              <a:t>5</a:t>
+              <a:t>3</a:t>
             </a:fld>
             <a:endParaRPr lang="en-US" altLang="ko-KR" dirty="0"/>
           </a:p>
@@ -9767,7 +8317,7 @@
 </p:sld>
 </file>
 
-<file path=ppt/slides/slide6.xml><?xml version="1.0" encoding="utf-8"?>
+<file path=ppt/slides/slide4.xml><?xml version="1.0" encoding="utf-8"?>
 <p:sld xmlns:a="http://schemas.openxmlformats.org/drawingml/2006/main" xmlns:r="http://schemas.openxmlformats.org/officeDocument/2006/relationships" xmlns:p="http://schemas.openxmlformats.org/presentationml/2006/main">
   <p:cSld>
     <p:spTree>
@@ -9891,7 +8441,7 @@
               <a:pPr>
                 <a:defRPr/>
               </a:pPr>
-              <a:t>6</a:t>
+              <a:t>4</a:t>
             </a:fld>
             <a:endParaRPr lang="en-US" altLang="ko-KR" dirty="0"/>
           </a:p>
@@ -10468,7 +9018,7 @@
 </p:sld>
 </file>
 
-<file path=ppt/slides/slide7.xml><?xml version="1.0" encoding="utf-8"?>
+<file path=ppt/slides/slide5.xml><?xml version="1.0" encoding="utf-8"?>
 <p:sld xmlns:a="http://schemas.openxmlformats.org/drawingml/2006/main" xmlns:r="http://schemas.openxmlformats.org/officeDocument/2006/relationships" xmlns:p="http://schemas.openxmlformats.org/presentationml/2006/main">
   <p:cSld>
     <p:spTree>
@@ -10582,7 +9132,7 @@
               <a:pPr>
                 <a:defRPr/>
               </a:pPr>
-              <a:t>7</a:t>
+              <a:t>5</a:t>
             </a:fld>
             <a:endParaRPr lang="en-US" altLang="ko-KR" dirty="0"/>
           </a:p>
@@ -10976,7 +9526,7 @@
 </p:sld>
 </file>
 
-<file path=ppt/slides/slide8.xml><?xml version="1.0" encoding="utf-8"?>
+<file path=ppt/slides/slide6.xml><?xml version="1.0" encoding="utf-8"?>
 <p:sld xmlns:a="http://schemas.openxmlformats.org/drawingml/2006/main" xmlns:r="http://schemas.openxmlformats.org/officeDocument/2006/relationships" xmlns:p="http://schemas.openxmlformats.org/presentationml/2006/main">
   <p:cSld>
     <p:spTree>
@@ -11098,7 +9648,7 @@
               <a:pPr>
                 <a:defRPr/>
               </a:pPr>
-              <a:t>8</a:t>
+              <a:t>6</a:t>
             </a:fld>
             <a:endParaRPr lang="en-US" altLang="ko-KR" dirty="0"/>
           </a:p>
@@ -11519,7 +10069,7 @@
 </p:sld>
 </file>
 
-<file path=ppt/slides/slide9.xml><?xml version="1.0" encoding="utf-8"?>
+<file path=ppt/slides/slide7.xml><?xml version="1.0" encoding="utf-8"?>
 <p:sld xmlns:a="http://schemas.openxmlformats.org/drawingml/2006/main" xmlns:r="http://schemas.openxmlformats.org/officeDocument/2006/relationships" xmlns:p="http://schemas.openxmlformats.org/presentationml/2006/main">
   <p:cSld>
     <p:spTree>
@@ -11915,7 +10465,7 @@
               <a:pPr>
                 <a:defRPr/>
               </a:pPr>
-              <a:t>9</a:t>
+              <a:t>7</a:t>
             </a:fld>
             <a:endParaRPr lang="en-US" altLang="ko-KR" dirty="0"/>
           </a:p>
@@ -11925,6 +10475,767 @@
     <p:extLst>
       <p:ext uri="{BB962C8B-B14F-4D97-AF65-F5344CB8AC3E}">
         <p14:creationId xmlns:p14="http://schemas.microsoft.com/office/powerpoint/2010/main" val="503441438"/>
+      </p:ext>
+    </p:extLst>
+  </p:cSld>
+  <p:clrMapOvr>
+    <a:masterClrMapping/>
+  </p:clrMapOvr>
+</p:sld>
+</file>
+
+<file path=ppt/slides/slide8.xml><?xml version="1.0" encoding="utf-8"?>
+<p:sld xmlns:a="http://schemas.openxmlformats.org/drawingml/2006/main" xmlns:r="http://schemas.openxmlformats.org/officeDocument/2006/relationships" xmlns:p="http://schemas.openxmlformats.org/presentationml/2006/main">
+  <p:cSld>
+    <p:spTree>
+      <p:nvGrpSpPr>
+        <p:cNvPr id="1" name=""/>
+        <p:cNvGrpSpPr/>
+        <p:nvPr/>
+      </p:nvGrpSpPr>
+      <p:grpSpPr>
+        <a:xfrm>
+          <a:off x="0" y="0"/>
+          <a:ext cx="0" cy="0"/>
+          <a:chOff x="0" y="0"/>
+          <a:chExt cx="0" cy="0"/>
+        </a:xfrm>
+      </p:grpSpPr>
+      <p:sp>
+        <p:nvSpPr>
+          <p:cNvPr id="2" name="제목 1">
+            <a:extLst>
+              <a:ext uri="{FF2B5EF4-FFF2-40B4-BE49-F238E27FC236}">
+                <a16:creationId xmlns:a16="http://schemas.microsoft.com/office/drawing/2014/main" id="{D0C690E6-B7A2-D047-922D-E469AFD793F0}"/>
+              </a:ext>
+            </a:extLst>
+          </p:cNvPr>
+          <p:cNvSpPr>
+            <a:spLocks noGrp="1"/>
+          </p:cNvSpPr>
+          <p:nvPr>
+            <p:ph type="title"/>
+          </p:nvPr>
+        </p:nvSpPr>
+        <p:spPr/>
+        <p:txBody>
+          <a:bodyPr/>
+          <a:lstStyle/>
+          <a:p>
+            <a:r>
+              <a:rPr kumimoji="1" lang="en-US" altLang="ko-Kore-KR" dirty="0" err="1"/>
+              <a:t>FastDiff</a:t>
+            </a:r>
+            <a:r>
+              <a:rPr kumimoji="1" lang="en-US" altLang="ko-Kore-KR" dirty="0"/>
+              <a:t>-TTS</a:t>
+            </a:r>
+            <a:endParaRPr kumimoji="1" lang="ko-Kore-KR" altLang="en-US" dirty="0"/>
+          </a:p>
+        </p:txBody>
+      </p:sp>
+      <p:sp>
+        <p:nvSpPr>
+          <p:cNvPr id="3" name="내용 개체 틀 2">
+            <a:extLst>
+              <a:ext uri="{FF2B5EF4-FFF2-40B4-BE49-F238E27FC236}">
+                <a16:creationId xmlns:a16="http://schemas.microsoft.com/office/drawing/2014/main" id="{CBAEBEF0-481E-7A4D-83C0-6E28B2771B30}"/>
+              </a:ext>
+            </a:extLst>
+          </p:cNvPr>
+          <p:cNvSpPr>
+            <a:spLocks noGrp="1"/>
+          </p:cNvSpPr>
+          <p:nvPr>
+            <p:ph idx="1"/>
+          </p:nvPr>
+        </p:nvSpPr>
+        <p:spPr/>
+        <p:txBody>
+          <a:bodyPr/>
+          <a:lstStyle/>
+          <a:p>
+            <a:r>
+              <a:rPr kumimoji="1" lang="en-US" altLang="ko-Kore-KR" dirty="0"/>
+              <a:t>End-to-End model </a:t>
+            </a:r>
+            <a:r>
+              <a:rPr kumimoji="1" lang="ko-Kore-KR" altLang="en-US" dirty="0"/>
+              <a:t>도</a:t>
+            </a:r>
+            <a:r>
+              <a:rPr kumimoji="1" lang="ko-KR" altLang="en-US" dirty="0"/>
+              <a:t> 훈련</a:t>
+            </a:r>
+            <a:endParaRPr kumimoji="1" lang="ko-Kore-KR" altLang="en-US" dirty="0"/>
+          </a:p>
+        </p:txBody>
+      </p:sp>
+      <p:sp>
+        <p:nvSpPr>
+          <p:cNvPr id="4" name="슬라이드 번호 개체 틀 3">
+            <a:extLst>
+              <a:ext uri="{FF2B5EF4-FFF2-40B4-BE49-F238E27FC236}">
+                <a16:creationId xmlns:a16="http://schemas.microsoft.com/office/drawing/2014/main" id="{4E4E9AA0-55E6-9543-B0C5-EAD40B992A14}"/>
+              </a:ext>
+            </a:extLst>
+          </p:cNvPr>
+          <p:cNvSpPr>
+            <a:spLocks noGrp="1"/>
+          </p:cNvSpPr>
+          <p:nvPr>
+            <p:ph type="sldNum" sz="quarter" idx="10"/>
+          </p:nvPr>
+        </p:nvSpPr>
+        <p:spPr/>
+        <p:txBody>
+          <a:bodyPr/>
+          <a:lstStyle/>
+          <a:p>
+            <a:pPr>
+              <a:defRPr/>
+            </a:pPr>
+            <a:r>
+              <a:rPr lang="en-US" altLang="ko-KR"/>
+              <a:t>Page </a:t>
+            </a:r>
+            <a:fld id="{2E59595D-A67B-4217-AF6B-E06A76FEDF4C}" type="slidenum">
+              <a:rPr lang="en-US" altLang="ko-KR" smtClean="0"/>
+              <a:pPr>
+                <a:defRPr/>
+              </a:pPr>
+              <a:t>8</a:t>
+            </a:fld>
+            <a:endParaRPr lang="en-US" altLang="ko-KR" dirty="0"/>
+          </a:p>
+        </p:txBody>
+      </p:sp>
+      <p:pic>
+        <p:nvPicPr>
+          <p:cNvPr id="6" name="그림 5">
+            <a:extLst>
+              <a:ext uri="{FF2B5EF4-FFF2-40B4-BE49-F238E27FC236}">
+                <a16:creationId xmlns:a16="http://schemas.microsoft.com/office/drawing/2014/main" id="{C3CBE876-CD5C-0547-BA3F-1C4E996248C3}"/>
+              </a:ext>
+            </a:extLst>
+          </p:cNvPr>
+          <p:cNvPicPr>
+            <a:picLocks noChangeAspect="1"/>
+          </p:cNvPicPr>
+          <p:nvPr/>
+        </p:nvPicPr>
+        <p:blipFill>
+          <a:blip r:embed="rId2">
+            <a:extLst>
+              <a:ext uri="{28A0092B-C50C-407E-A947-70E740481C1C}">
+                <a14:useLocalDpi xmlns:a14="http://schemas.microsoft.com/office/drawing/2010/main" val="0"/>
+              </a:ext>
+            </a:extLst>
+          </a:blip>
+          <a:stretch>
+            <a:fillRect/>
+          </a:stretch>
+        </p:blipFill>
+        <p:spPr>
+          <a:xfrm>
+            <a:off x="560512" y="1559946"/>
+            <a:ext cx="3024336" cy="4649982"/>
+          </a:xfrm>
+          <a:prstGeom prst="rect">
+            <a:avLst/>
+          </a:prstGeom>
+        </p:spPr>
+      </p:pic>
+      <p:sp>
+        <p:nvSpPr>
+          <p:cNvPr id="8" name="내용 개체 틀 2">
+            <a:extLst>
+              <a:ext uri="{FF2B5EF4-FFF2-40B4-BE49-F238E27FC236}">
+                <a16:creationId xmlns:a16="http://schemas.microsoft.com/office/drawing/2014/main" id="{6BCE1CA9-26E0-6D4A-99DE-3EA40EC1F122}"/>
+              </a:ext>
+            </a:extLst>
+          </p:cNvPr>
+          <p:cNvSpPr txBox="1">
+            <a:spLocks/>
+          </p:cNvSpPr>
+          <p:nvPr/>
+        </p:nvSpPr>
+        <p:spPr bwMode="auto">
+          <a:xfrm>
+            <a:off x="4232920" y="1700808"/>
+            <a:ext cx="5213760" cy="4569596"/>
+          </a:xfrm>
+          <a:prstGeom prst="rect">
+            <a:avLst/>
+          </a:prstGeom>
+          <a:noFill/>
+          <a:ln>
+            <a:noFill/>
+          </a:ln>
+          <a:extLst>
+            <a:ext uri="{909E8E84-426E-40DD-AFC4-6F175D3DCCD1}">
+              <a14:hiddenFill xmlns:a14="http://schemas.microsoft.com/office/drawing/2010/main">
+                <a:solidFill>
+                  <a:srgbClr val="FFFFFF"/>
+                </a:solidFill>
+              </a14:hiddenFill>
+            </a:ext>
+            <a:ext uri="{91240B29-F687-4F45-9708-019B960494DF}">
+              <a14:hiddenLine xmlns:a14="http://schemas.microsoft.com/office/drawing/2010/main" w="9525">
+                <a:solidFill>
+                  <a:srgbClr val="000000"/>
+                </a:solidFill>
+                <a:miter lim="800000"/>
+                <a:headEnd/>
+                <a:tailEnd/>
+              </a14:hiddenLine>
+            </a:ext>
+          </a:extLst>
+        </p:spPr>
+        <p:txBody>
+          <a:bodyPr vert="horz" wrap="square" lIns="92075" tIns="46038" rIns="92075" bIns="46038" numCol="1" anchor="t" anchorCtr="0" compatLnSpc="1">
+            <a:prstTxWarp prst="textNoShape">
+              <a:avLst/>
+            </a:prstTxWarp>
+          </a:bodyPr>
+          <a:lstStyle>
+            <a:lvl1pPr marL="285750" indent="-285750" algn="l" rtl="0" eaLnBrk="1" fontAlgn="base" latinLnBrk="1" hangingPunct="1">
+              <a:spcBef>
+                <a:spcPct val="30000"/>
+              </a:spcBef>
+              <a:spcAft>
+                <a:spcPct val="0"/>
+              </a:spcAft>
+              <a:buClrTx/>
+              <a:buSzPct val="70000"/>
+              <a:buFont typeface="Wingdings" pitchFamily="2" charset="2"/>
+              <a:buChar char="l"/>
+              <a:defRPr kumimoji="1" sz="2000" b="1">
+                <a:solidFill>
+                  <a:schemeClr val="tx1"/>
+                </a:solidFill>
+                <a:latin typeface="+mn-lt"/>
+                <a:ea typeface="+mn-ea"/>
+                <a:cs typeface="+mn-cs"/>
+              </a:defRPr>
+            </a:lvl1pPr>
+            <a:lvl2pPr marL="762000" indent="-285750" algn="l" rtl="0" eaLnBrk="1" fontAlgn="base" latinLnBrk="1" hangingPunct="1">
+              <a:spcBef>
+                <a:spcPct val="30000"/>
+              </a:spcBef>
+              <a:spcAft>
+                <a:spcPct val="0"/>
+              </a:spcAft>
+              <a:buClrTx/>
+              <a:buSzPct val="60000"/>
+              <a:buFont typeface="Wingdings" pitchFamily="2" charset="2"/>
+              <a:buChar char="l"/>
+              <a:defRPr kumimoji="1" sz="1800" b="1">
+                <a:solidFill>
+                  <a:schemeClr val="tx1"/>
+                </a:solidFill>
+                <a:latin typeface="+mn-lt"/>
+                <a:ea typeface="+mn-ea"/>
+              </a:defRPr>
+            </a:lvl2pPr>
+            <a:lvl3pPr marL="1143000" indent="-228600" algn="l" rtl="0" eaLnBrk="1" fontAlgn="base" latinLnBrk="1" hangingPunct="1">
+              <a:spcBef>
+                <a:spcPct val="20000"/>
+              </a:spcBef>
+              <a:spcAft>
+                <a:spcPct val="0"/>
+              </a:spcAft>
+              <a:buClrTx/>
+              <a:buSzPct val="55000"/>
+              <a:buFont typeface="Wingdings" pitchFamily="2" charset="2"/>
+              <a:buChar char="l"/>
+              <a:defRPr kumimoji="1" sz="1600" b="1">
+                <a:solidFill>
+                  <a:schemeClr val="tx1"/>
+                </a:solidFill>
+                <a:latin typeface="+mn-lt"/>
+                <a:ea typeface="+mn-ea"/>
+              </a:defRPr>
+            </a:lvl3pPr>
+            <a:lvl4pPr marL="1600200" indent="-228600" algn="l" rtl="0" eaLnBrk="1" fontAlgn="base" latinLnBrk="1" hangingPunct="1">
+              <a:spcBef>
+                <a:spcPct val="20000"/>
+              </a:spcBef>
+              <a:spcAft>
+                <a:spcPct val="0"/>
+              </a:spcAft>
+              <a:buChar char="–"/>
+              <a:defRPr kumimoji="1" sz="1600">
+                <a:solidFill>
+                  <a:schemeClr val="tx1"/>
+                </a:solidFill>
+                <a:latin typeface="Arial" pitchFamily="34" charset="0"/>
+                <a:ea typeface="+mn-ea"/>
+              </a:defRPr>
+            </a:lvl4pPr>
+            <a:lvl5pPr marL="2057400" indent="-228600" algn="l" rtl="0" eaLnBrk="1" fontAlgn="base" latinLnBrk="1" hangingPunct="1">
+              <a:spcBef>
+                <a:spcPct val="20000"/>
+              </a:spcBef>
+              <a:spcAft>
+                <a:spcPct val="0"/>
+              </a:spcAft>
+              <a:buChar char="•"/>
+              <a:defRPr kumimoji="1" sz="1600">
+                <a:solidFill>
+                  <a:schemeClr val="tx1"/>
+                </a:solidFill>
+                <a:latin typeface="Arial" pitchFamily="34" charset="0"/>
+                <a:ea typeface="+mn-ea"/>
+              </a:defRPr>
+            </a:lvl5pPr>
+            <a:lvl6pPr marL="2514600" indent="-228600" algn="l" rtl="0" eaLnBrk="1" fontAlgn="base" latinLnBrk="1" hangingPunct="1">
+              <a:spcBef>
+                <a:spcPct val="20000"/>
+              </a:spcBef>
+              <a:spcAft>
+                <a:spcPct val="0"/>
+              </a:spcAft>
+              <a:buChar char="•"/>
+              <a:defRPr kumimoji="1" sz="2000">
+                <a:solidFill>
+                  <a:schemeClr val="tx1"/>
+                </a:solidFill>
+                <a:latin typeface="Arial" pitchFamily="34" charset="0"/>
+                <a:ea typeface="+mn-ea"/>
+              </a:defRPr>
+            </a:lvl6pPr>
+            <a:lvl7pPr marL="2971800" indent="-228600" algn="l" rtl="0" eaLnBrk="1" fontAlgn="base" latinLnBrk="1" hangingPunct="1">
+              <a:spcBef>
+                <a:spcPct val="20000"/>
+              </a:spcBef>
+              <a:spcAft>
+                <a:spcPct val="0"/>
+              </a:spcAft>
+              <a:buChar char="•"/>
+              <a:defRPr kumimoji="1" sz="2000">
+                <a:solidFill>
+                  <a:schemeClr val="tx1"/>
+                </a:solidFill>
+                <a:latin typeface="Arial" pitchFamily="34" charset="0"/>
+                <a:ea typeface="+mn-ea"/>
+              </a:defRPr>
+            </a:lvl7pPr>
+            <a:lvl8pPr marL="3429000" indent="-228600" algn="l" rtl="0" eaLnBrk="1" fontAlgn="base" latinLnBrk="1" hangingPunct="1">
+              <a:spcBef>
+                <a:spcPct val="20000"/>
+              </a:spcBef>
+              <a:spcAft>
+                <a:spcPct val="0"/>
+              </a:spcAft>
+              <a:buChar char="•"/>
+              <a:defRPr kumimoji="1" sz="2000">
+                <a:solidFill>
+                  <a:schemeClr val="tx1"/>
+                </a:solidFill>
+                <a:latin typeface="Arial" pitchFamily="34" charset="0"/>
+                <a:ea typeface="+mn-ea"/>
+              </a:defRPr>
+            </a:lvl8pPr>
+            <a:lvl9pPr marL="3886200" indent="-228600" algn="l" rtl="0" eaLnBrk="1" fontAlgn="base" latinLnBrk="1" hangingPunct="1">
+              <a:spcBef>
+                <a:spcPct val="20000"/>
+              </a:spcBef>
+              <a:spcAft>
+                <a:spcPct val="0"/>
+              </a:spcAft>
+              <a:buChar char="•"/>
+              <a:defRPr kumimoji="1" sz="2000">
+                <a:solidFill>
+                  <a:schemeClr val="tx1"/>
+                </a:solidFill>
+                <a:latin typeface="Arial" pitchFamily="34" charset="0"/>
+                <a:ea typeface="+mn-ea"/>
+              </a:defRPr>
+            </a:lvl9pPr>
+          </a:lstStyle>
+          <a:p>
+            <a:r>
+              <a:rPr lang="en-US" altLang="ko-KR" sz="1800" kern="0" dirty="0" err="1"/>
+              <a:t>Acousitc</a:t>
+            </a:r>
+            <a:r>
+              <a:rPr lang="en-US" altLang="ko-KR" sz="1800" kern="0" dirty="0"/>
+              <a:t> model </a:t>
+            </a:r>
+            <a:r>
+              <a:rPr lang="ko-KR" altLang="en-US" sz="1800" kern="0" dirty="0"/>
+              <a:t>부분은 </a:t>
+            </a:r>
+            <a:r>
+              <a:rPr lang="en-US" altLang="ko-KR" sz="1800" kern="0" dirty="0"/>
+              <a:t>FastSpeech2</a:t>
+            </a:r>
+            <a:r>
+              <a:rPr lang="ko-KR" altLang="en-US" sz="1800" kern="0" dirty="0"/>
+              <a:t>의 구조를 사용하고</a:t>
+            </a:r>
+            <a:r>
+              <a:rPr lang="en-US" altLang="ko-KR" sz="1800" kern="0" dirty="0"/>
+              <a:t>, </a:t>
+            </a:r>
+          </a:p>
+          <a:p>
+            <a:r>
+              <a:rPr lang="en-US" altLang="ko-KR" sz="1800" kern="0" dirty="0"/>
+              <a:t>Vocoder</a:t>
+            </a:r>
+            <a:r>
+              <a:rPr lang="ko-KR" altLang="en-US" sz="1800" kern="0" dirty="0"/>
+              <a:t>부분은 </a:t>
+            </a:r>
+            <a:r>
+              <a:rPr lang="en-US" altLang="ko-KR" sz="1800" kern="0" dirty="0" err="1"/>
+              <a:t>FastDiff</a:t>
+            </a:r>
+            <a:r>
+              <a:rPr lang="ko-KR" altLang="en-US" sz="1800" kern="0" dirty="0" err="1"/>
+              <a:t>를</a:t>
+            </a:r>
+            <a:r>
+              <a:rPr lang="ko-KR" altLang="en-US" sz="1800" kern="0" dirty="0"/>
+              <a:t> 사용</a:t>
+            </a:r>
+            <a:endParaRPr lang="en-US" altLang="ko-KR" sz="1800" kern="0" dirty="0"/>
+          </a:p>
+          <a:p>
+            <a:endParaRPr lang="en-US" altLang="ko-KR" sz="1800" kern="0" dirty="0"/>
+          </a:p>
+          <a:p>
+            <a:endParaRPr lang="en-US" altLang="ko-KR" sz="1800" kern="0" dirty="0"/>
+          </a:p>
+          <a:p>
+            <a:endParaRPr lang="en-US" altLang="ko-KR" sz="1800" kern="0" dirty="0"/>
+          </a:p>
+          <a:p>
+            <a:endParaRPr lang="en-US" altLang="ko-KR" kern="0" dirty="0"/>
+          </a:p>
+          <a:p>
+            <a:pPr lvl="1"/>
+            <a:endParaRPr lang="en-US" altLang="ko-KR" kern="0" dirty="0"/>
+          </a:p>
+          <a:p>
+            <a:pPr lvl="1"/>
+            <a:endParaRPr lang="en-US" altLang="ko-Kore-KR" kern="0" dirty="0"/>
+          </a:p>
+          <a:p>
+            <a:endParaRPr lang="en" altLang="ko-Kore-KR" kern="0" dirty="0"/>
+          </a:p>
+          <a:p>
+            <a:endParaRPr lang="ko-Kore-KR" altLang="en-US" i="1" kern="0" dirty="0"/>
+          </a:p>
+        </p:txBody>
+      </p:sp>
+    </p:spTree>
+    <p:extLst>
+      <p:ext uri="{BB962C8B-B14F-4D97-AF65-F5344CB8AC3E}">
+        <p14:creationId xmlns:p14="http://schemas.microsoft.com/office/powerpoint/2010/main" val="4165387466"/>
+      </p:ext>
+    </p:extLst>
+  </p:cSld>
+  <p:clrMapOvr>
+    <a:masterClrMapping/>
+  </p:clrMapOvr>
+</p:sld>
+</file>
+
+<file path=ppt/slides/slide9.xml><?xml version="1.0" encoding="utf-8"?>
+<p:sld xmlns:a="http://schemas.openxmlformats.org/drawingml/2006/main" xmlns:r="http://schemas.openxmlformats.org/officeDocument/2006/relationships" xmlns:p="http://schemas.openxmlformats.org/presentationml/2006/main">
+  <p:cSld>
+    <p:spTree>
+      <p:nvGrpSpPr>
+        <p:cNvPr id="1" name=""/>
+        <p:cNvGrpSpPr/>
+        <p:nvPr/>
+      </p:nvGrpSpPr>
+      <p:grpSpPr>
+        <a:xfrm>
+          <a:off x="0" y="0"/>
+          <a:ext cx="0" cy="0"/>
+          <a:chOff x="0" y="0"/>
+          <a:chExt cx="0" cy="0"/>
+        </a:xfrm>
+      </p:grpSpPr>
+      <p:sp>
+        <p:nvSpPr>
+          <p:cNvPr id="2" name="제목 1">
+            <a:extLst>
+              <a:ext uri="{FF2B5EF4-FFF2-40B4-BE49-F238E27FC236}">
+                <a16:creationId xmlns:a16="http://schemas.microsoft.com/office/drawing/2014/main" id="{533D3BAD-4F98-C244-9F22-F13F7A77CD8A}"/>
+              </a:ext>
+            </a:extLst>
+          </p:cNvPr>
+          <p:cNvSpPr>
+            <a:spLocks noGrp="1"/>
+          </p:cNvSpPr>
+          <p:nvPr>
+            <p:ph type="title"/>
+          </p:nvPr>
+        </p:nvSpPr>
+        <p:spPr/>
+        <p:txBody>
+          <a:bodyPr/>
+          <a:lstStyle/>
+          <a:p>
+            <a:r>
+              <a:rPr kumimoji="1" lang="en-US" altLang="ko-Kore-KR" dirty="0"/>
+              <a:t>Experiments</a:t>
+            </a:r>
+            <a:endParaRPr kumimoji="1" lang="ko-Kore-KR" altLang="en-US" dirty="0"/>
+          </a:p>
+        </p:txBody>
+      </p:sp>
+      <p:sp>
+        <p:nvSpPr>
+          <p:cNvPr id="3" name="내용 개체 틀 2">
+            <a:extLst>
+              <a:ext uri="{FF2B5EF4-FFF2-40B4-BE49-F238E27FC236}">
+                <a16:creationId xmlns:a16="http://schemas.microsoft.com/office/drawing/2014/main" id="{4EB6C5B7-F3DE-1549-99A7-8D0DCB339823}"/>
+              </a:ext>
+            </a:extLst>
+          </p:cNvPr>
+          <p:cNvSpPr>
+            <a:spLocks noGrp="1"/>
+          </p:cNvSpPr>
+          <p:nvPr>
+            <p:ph idx="1"/>
+          </p:nvPr>
+        </p:nvSpPr>
+        <p:spPr/>
+        <p:txBody>
+          <a:bodyPr/>
+          <a:lstStyle/>
+          <a:p>
+            <a:r>
+              <a:rPr kumimoji="1" lang="ko-Kore-KR" altLang="en-US" dirty="0"/>
+              <a:t>사용한</a:t>
+            </a:r>
+            <a:r>
+              <a:rPr kumimoji="1" lang="ko-KR" altLang="en-US" dirty="0"/>
+              <a:t> 데이터 </a:t>
+            </a:r>
+            <a:endParaRPr lang="en-US" altLang="ko-KR" dirty="0"/>
+          </a:p>
+          <a:p>
+            <a:pPr lvl="1"/>
+            <a:r>
+              <a:rPr lang="ko-Kore-KR" altLang="en-US" dirty="0"/>
+              <a:t>훈련</a:t>
+            </a:r>
+            <a:r>
+              <a:rPr lang="ko-KR" altLang="en-US" dirty="0"/>
+              <a:t> 데이터 </a:t>
+            </a:r>
+            <a:r>
+              <a:rPr lang="en-US" altLang="ko-KR" dirty="0"/>
+              <a:t>:</a:t>
+            </a:r>
+            <a:r>
+              <a:rPr lang="ko-KR" altLang="en-US" dirty="0"/>
+              <a:t> </a:t>
+            </a:r>
+            <a:r>
+              <a:rPr lang="en-US" altLang="ko-Kore-KR" dirty="0" err="1"/>
+              <a:t>LJSpeech</a:t>
+            </a:r>
+            <a:endParaRPr lang="en-US" altLang="ko-Kore-KR" dirty="0"/>
+          </a:p>
+          <a:p>
+            <a:pPr lvl="1"/>
+            <a:r>
+              <a:rPr lang="en-US" altLang="ko-Kore-KR" dirty="0"/>
+              <a:t>Unseen speaker evaluation</a:t>
+            </a:r>
+            <a:r>
+              <a:rPr lang="ko-KR" altLang="en-US" dirty="0"/>
+              <a:t>을 위해 </a:t>
+            </a:r>
+            <a:r>
+              <a:rPr lang="en-US" altLang="ko-KR" dirty="0"/>
+              <a:t>VCTK </a:t>
+            </a:r>
+            <a:r>
+              <a:rPr lang="ko-KR" altLang="en-US" dirty="0"/>
+              <a:t>사용</a:t>
+            </a:r>
+            <a:endParaRPr lang="en-US" altLang="ko-KR" dirty="0"/>
+          </a:p>
+          <a:p>
+            <a:r>
+              <a:rPr kumimoji="1" lang="ko-Kore-KR" altLang="en-US" dirty="0"/>
+              <a:t>평가지표</a:t>
+            </a:r>
+          </a:p>
+          <a:p>
+            <a:pPr lvl="1"/>
+            <a:r>
+              <a:rPr kumimoji="1" lang="en-US" altLang="ko-Kore-KR" dirty="0"/>
+              <a:t>Audio quality : MOS </a:t>
+            </a:r>
+            <a:r>
+              <a:rPr lang="en-US" altLang="ko-Kore-KR" dirty="0"/>
+              <a:t>, </a:t>
+            </a:r>
+            <a:r>
+              <a:rPr kumimoji="1" lang="en-US" altLang="ko-Kore-KR" dirty="0"/>
+              <a:t>STOI, </a:t>
+            </a:r>
+            <a:r>
+              <a:rPr lang="en-US" altLang="ko-Kore-KR" dirty="0"/>
+              <a:t>PESQ</a:t>
+            </a:r>
+          </a:p>
+          <a:p>
+            <a:pPr lvl="2"/>
+            <a:r>
+              <a:rPr lang="en-US" altLang="ko-Kore-KR" dirty="0"/>
+              <a:t>STOI : Short-time Objective intelligibility </a:t>
+            </a:r>
+            <a:r>
+              <a:rPr lang="en-US" altLang="ko-KR" dirty="0"/>
+              <a:t>(</a:t>
+            </a:r>
+            <a:r>
+              <a:rPr lang="ko-KR" altLang="en-US" dirty="0"/>
+              <a:t>음성의 </a:t>
+            </a:r>
+            <a:r>
+              <a:rPr lang="ko-KR" altLang="en-US" dirty="0" err="1"/>
+              <a:t>명료도를</a:t>
+            </a:r>
+            <a:r>
+              <a:rPr lang="ko-KR" altLang="en-US" dirty="0"/>
+              <a:t> 나타내는 척도</a:t>
+            </a:r>
+            <a:r>
+              <a:rPr lang="en-US" altLang="ko-KR" dirty="0"/>
+              <a:t>)</a:t>
+            </a:r>
+            <a:endParaRPr lang="en-US" altLang="ko-Kore-KR" dirty="0"/>
+          </a:p>
+          <a:p>
+            <a:pPr lvl="2"/>
+            <a:r>
+              <a:rPr lang="en-US" altLang="ko-Kore-KR" dirty="0"/>
+              <a:t>PESQ : Perceptual evaluation of speech quality (</a:t>
+            </a:r>
+            <a:r>
+              <a:rPr lang="ko-KR" altLang="en-US" dirty="0"/>
+              <a:t>음질을 나타내는 척도</a:t>
+            </a:r>
+            <a:r>
+              <a:rPr lang="en-US" altLang="ko-KR" dirty="0"/>
+              <a:t>)</a:t>
+            </a:r>
+            <a:endParaRPr lang="en-US" altLang="ko-Kore-KR" dirty="0"/>
+          </a:p>
+          <a:p>
+            <a:pPr lvl="3"/>
+            <a:r>
+              <a:rPr lang="en-US" altLang="ko-Kore-KR" dirty="0"/>
+              <a:t>MOS</a:t>
+            </a:r>
+            <a:r>
+              <a:rPr lang="ko-KR" altLang="en-US" dirty="0" err="1"/>
+              <a:t>를</a:t>
+            </a:r>
+            <a:r>
+              <a:rPr lang="ko-KR" altLang="en-US" dirty="0"/>
+              <a:t> 예측하는 </a:t>
+            </a:r>
+            <a:r>
+              <a:rPr lang="en-US" altLang="ko-KR" dirty="0"/>
+              <a:t>objective evaluation</a:t>
+            </a:r>
+            <a:endParaRPr lang="en-US" altLang="ko-Kore-KR" dirty="0"/>
+          </a:p>
+          <a:p>
+            <a:pPr lvl="1"/>
+            <a:r>
+              <a:rPr kumimoji="1" lang="en-US" altLang="ko-Kore-KR" dirty="0"/>
+              <a:t>Inference speed : RTF</a:t>
+            </a:r>
+          </a:p>
+          <a:p>
+            <a:pPr lvl="1"/>
+            <a:r>
+              <a:rPr lang="en-US" altLang="ko-Kore-KR" dirty="0"/>
+              <a:t>Diversity of generated </a:t>
+            </a:r>
+            <a:r>
+              <a:rPr lang="en-US" altLang="ko-Kore-KR" dirty="0" err="1"/>
+              <a:t>mel</a:t>
+            </a:r>
+            <a:r>
+              <a:rPr lang="en-US" altLang="ko-Kore-KR" dirty="0"/>
+              <a:t>-spectrogram : NDB, JSD</a:t>
+            </a:r>
+          </a:p>
+          <a:p>
+            <a:pPr lvl="2"/>
+            <a:r>
+              <a:rPr kumimoji="1" lang="en-US" altLang="ko-Kore-KR" dirty="0"/>
+              <a:t>NDB : Number of Statistically-Different Bins</a:t>
+            </a:r>
+          </a:p>
+          <a:p>
+            <a:pPr lvl="2"/>
+            <a:r>
+              <a:rPr lang="en-US" altLang="ko-Kore-KR" dirty="0"/>
+              <a:t>JSD : Jensen-Shannon divergence</a:t>
+            </a:r>
+            <a:endParaRPr kumimoji="1" lang="ko-Kore-KR" altLang="en-US" dirty="0"/>
+          </a:p>
+        </p:txBody>
+      </p:sp>
+      <p:sp>
+        <p:nvSpPr>
+          <p:cNvPr id="4" name="슬라이드 번호 개체 틀 3">
+            <a:extLst>
+              <a:ext uri="{FF2B5EF4-FFF2-40B4-BE49-F238E27FC236}">
+                <a16:creationId xmlns:a16="http://schemas.microsoft.com/office/drawing/2014/main" id="{E830D3D4-6415-1446-8851-465651F0B006}"/>
+              </a:ext>
+            </a:extLst>
+          </p:cNvPr>
+          <p:cNvSpPr>
+            <a:spLocks noGrp="1"/>
+          </p:cNvSpPr>
+          <p:nvPr>
+            <p:ph type="sldNum" sz="quarter" idx="10"/>
+          </p:nvPr>
+        </p:nvSpPr>
+        <p:spPr/>
+        <p:txBody>
+          <a:bodyPr/>
+          <a:lstStyle/>
+          <a:p>
+            <a:pPr>
+              <a:defRPr/>
+            </a:pPr>
+            <a:r>
+              <a:rPr lang="en-US" altLang="ko-KR"/>
+              <a:t>Page </a:t>
+            </a:r>
+            <a:fld id="{2E59595D-A67B-4217-AF6B-E06A76FEDF4C}" type="slidenum">
+              <a:rPr lang="en-US" altLang="ko-KR" smtClean="0"/>
+              <a:pPr>
+                <a:defRPr/>
+              </a:pPr>
+              <a:t>9</a:t>
+            </a:fld>
+            <a:endParaRPr lang="en-US" altLang="ko-KR" dirty="0"/>
+          </a:p>
+        </p:txBody>
+      </p:sp>
+    </p:spTree>
+    <p:extLst>
+      <p:ext uri="{BB962C8B-B14F-4D97-AF65-F5344CB8AC3E}">
+        <p14:creationId xmlns:p14="http://schemas.microsoft.com/office/powerpoint/2010/main" val="1333129204"/>
       </p:ext>
     </p:extLst>
   </p:cSld>
